--- a/docs/ER-DIAGRAM.pptx
+++ b/docs/ER-DIAGRAM.pptx
@@ -7,6 +7,7 @@
   <p:sldIdLst>
     <p:sldId id="256" r:id="rId2"/>
     <p:sldId id="258" r:id="rId3"/>
+    <p:sldId id="259" r:id="rId4"/>
   </p:sldIdLst>
   <p:sldSz cx="12192000" cy="6858000"/>
   <p:notesSz cx="6858000" cy="9144000"/>
@@ -155,10 +156,9 @@
           </a:lstStyle>
           <a:p>
             <a:r>
-              <a:rPr lang="en-US" smtClean="0"/>
+              <a:rPr lang="en-US"/>
               <a:t>Click to edit Master title style</a:t>
             </a:r>
-            <a:endParaRPr lang="en-US"/>
           </a:p>
         </p:txBody>
       </p:sp>
@@ -220,10 +220,9 @@
           </a:lstStyle>
           <a:p>
             <a:r>
-              <a:rPr lang="en-US" smtClean="0"/>
+              <a:rPr lang="en-US"/>
               <a:t>Click to edit Master subtitle style</a:t>
             </a:r>
-            <a:endParaRPr lang="en-US"/>
           </a:p>
         </p:txBody>
       </p:sp>
@@ -244,7 +243,7 @@
           <a:p>
             <a:fld id="{28BE630F-C39C-4DB9-8258-0B48CA067079}" type="datetimeFigureOut">
               <a:rPr lang="en-US" smtClean="0"/>
-              <a:t>11/25/2021</a:t>
+              <a:t>11/27/2021</a:t>
             </a:fld>
             <a:endParaRPr lang="en-US"/>
           </a:p>
@@ -338,10 +337,9 @@
           <a:lstStyle/>
           <a:p>
             <a:r>
-              <a:rPr lang="en-US" smtClean="0"/>
+              <a:rPr lang="en-US"/>
               <a:t>Click to edit Master title style</a:t>
             </a:r>
-            <a:endParaRPr lang="en-US"/>
           </a:p>
         </p:txBody>
       </p:sp>
@@ -362,38 +360,37 @@
           <a:p>
             <a:pPr lvl="0"/>
             <a:r>
-              <a:rPr lang="en-US" smtClean="0"/>
+              <a:rPr lang="en-US"/>
               <a:t>Click to edit Master text styles</a:t>
             </a:r>
           </a:p>
           <a:p>
             <a:pPr lvl="1"/>
             <a:r>
-              <a:rPr lang="en-US" smtClean="0"/>
+              <a:rPr lang="en-US"/>
               <a:t>Second level</a:t>
             </a:r>
           </a:p>
           <a:p>
             <a:pPr lvl="2"/>
             <a:r>
-              <a:rPr lang="en-US" smtClean="0"/>
+              <a:rPr lang="en-US"/>
               <a:t>Third level</a:t>
             </a:r>
           </a:p>
           <a:p>
             <a:pPr lvl="3"/>
             <a:r>
-              <a:rPr lang="en-US" smtClean="0"/>
+              <a:rPr lang="en-US"/>
               <a:t>Fourth level</a:t>
             </a:r>
           </a:p>
           <a:p>
             <a:pPr lvl="4"/>
             <a:r>
-              <a:rPr lang="en-US" smtClean="0"/>
+              <a:rPr lang="en-US"/>
               <a:t>Fifth level</a:t>
             </a:r>
-            <a:endParaRPr lang="en-US"/>
           </a:p>
         </p:txBody>
       </p:sp>
@@ -414,7 +411,7 @@
           <a:p>
             <a:fld id="{28BE630F-C39C-4DB9-8258-0B48CA067079}" type="datetimeFigureOut">
               <a:rPr lang="en-US" smtClean="0"/>
-              <a:t>11/25/2021</a:t>
+              <a:t>11/27/2021</a:t>
             </a:fld>
             <a:endParaRPr lang="en-US"/>
           </a:p>
@@ -513,10 +510,9 @@
           <a:lstStyle/>
           <a:p>
             <a:r>
-              <a:rPr lang="en-US" smtClean="0"/>
+              <a:rPr lang="en-US"/>
               <a:t>Click to edit Master title style</a:t>
             </a:r>
-            <a:endParaRPr lang="en-US"/>
           </a:p>
         </p:txBody>
       </p:sp>
@@ -542,38 +538,37 @@
           <a:p>
             <a:pPr lvl="0"/>
             <a:r>
-              <a:rPr lang="en-US" smtClean="0"/>
+              <a:rPr lang="en-US"/>
               <a:t>Click to edit Master text styles</a:t>
             </a:r>
           </a:p>
           <a:p>
             <a:pPr lvl="1"/>
             <a:r>
-              <a:rPr lang="en-US" smtClean="0"/>
+              <a:rPr lang="en-US"/>
               <a:t>Second level</a:t>
             </a:r>
           </a:p>
           <a:p>
             <a:pPr lvl="2"/>
             <a:r>
-              <a:rPr lang="en-US" smtClean="0"/>
+              <a:rPr lang="en-US"/>
               <a:t>Third level</a:t>
             </a:r>
           </a:p>
           <a:p>
             <a:pPr lvl="3"/>
             <a:r>
-              <a:rPr lang="en-US" smtClean="0"/>
+              <a:rPr lang="en-US"/>
               <a:t>Fourth level</a:t>
             </a:r>
           </a:p>
           <a:p>
             <a:pPr lvl="4"/>
             <a:r>
-              <a:rPr lang="en-US" smtClean="0"/>
+              <a:rPr lang="en-US"/>
               <a:t>Fifth level</a:t>
             </a:r>
-            <a:endParaRPr lang="en-US"/>
           </a:p>
         </p:txBody>
       </p:sp>
@@ -594,7 +589,7 @@
           <a:p>
             <a:fld id="{28BE630F-C39C-4DB9-8258-0B48CA067079}" type="datetimeFigureOut">
               <a:rPr lang="en-US" smtClean="0"/>
-              <a:t>11/25/2021</a:t>
+              <a:t>11/27/2021</a:t>
             </a:fld>
             <a:endParaRPr lang="en-US"/>
           </a:p>
@@ -688,10 +683,9 @@
           <a:lstStyle/>
           <a:p>
             <a:r>
-              <a:rPr lang="en-US" smtClean="0"/>
+              <a:rPr lang="en-US"/>
               <a:t>Click to edit Master title style</a:t>
             </a:r>
-            <a:endParaRPr lang="en-US"/>
           </a:p>
         </p:txBody>
       </p:sp>
@@ -712,38 +706,37 @@
           <a:p>
             <a:pPr lvl="0"/>
             <a:r>
-              <a:rPr lang="en-US" smtClean="0"/>
+              <a:rPr lang="en-US"/>
               <a:t>Click to edit Master text styles</a:t>
             </a:r>
           </a:p>
           <a:p>
             <a:pPr lvl="1"/>
             <a:r>
-              <a:rPr lang="en-US" smtClean="0"/>
+              <a:rPr lang="en-US"/>
               <a:t>Second level</a:t>
             </a:r>
           </a:p>
           <a:p>
             <a:pPr lvl="2"/>
             <a:r>
-              <a:rPr lang="en-US" smtClean="0"/>
+              <a:rPr lang="en-US"/>
               <a:t>Third level</a:t>
             </a:r>
           </a:p>
           <a:p>
             <a:pPr lvl="3"/>
             <a:r>
-              <a:rPr lang="en-US" smtClean="0"/>
+              <a:rPr lang="en-US"/>
               <a:t>Fourth level</a:t>
             </a:r>
           </a:p>
           <a:p>
             <a:pPr lvl="4"/>
             <a:r>
-              <a:rPr lang="en-US" smtClean="0"/>
+              <a:rPr lang="en-US"/>
               <a:t>Fifth level</a:t>
             </a:r>
-            <a:endParaRPr lang="en-US"/>
           </a:p>
         </p:txBody>
       </p:sp>
@@ -764,7 +757,7 @@
           <a:p>
             <a:fld id="{28BE630F-C39C-4DB9-8258-0B48CA067079}" type="datetimeFigureOut">
               <a:rPr lang="en-US" smtClean="0"/>
-              <a:t>11/25/2021</a:t>
+              <a:t>11/27/2021</a:t>
             </a:fld>
             <a:endParaRPr lang="en-US"/>
           </a:p>
@@ -867,10 +860,9 @@
           </a:lstStyle>
           <a:p>
             <a:r>
-              <a:rPr lang="en-US" smtClean="0"/>
+              <a:rPr lang="en-US"/>
               <a:t>Click to edit Master title style</a:t>
             </a:r>
-            <a:endParaRPr lang="en-US"/>
           </a:p>
         </p:txBody>
       </p:sp>
@@ -987,7 +979,7 @@
           <a:p>
             <a:pPr lvl="0"/>
             <a:r>
-              <a:rPr lang="en-US" smtClean="0"/>
+              <a:rPr lang="en-US"/>
               <a:t>Click to edit Master text styles</a:t>
             </a:r>
           </a:p>
@@ -1010,7 +1002,7 @@
           <a:p>
             <a:fld id="{28BE630F-C39C-4DB9-8258-0B48CA067079}" type="datetimeFigureOut">
               <a:rPr lang="en-US" smtClean="0"/>
-              <a:t>11/25/2021</a:t>
+              <a:t>11/27/2021</a:t>
             </a:fld>
             <a:endParaRPr lang="en-US"/>
           </a:p>
@@ -1104,10 +1096,9 @@
           <a:lstStyle/>
           <a:p>
             <a:r>
-              <a:rPr lang="en-US" smtClean="0"/>
+              <a:rPr lang="en-US"/>
               <a:t>Click to edit Master title style</a:t>
             </a:r>
-            <a:endParaRPr lang="en-US"/>
           </a:p>
         </p:txBody>
       </p:sp>
@@ -1133,38 +1124,37 @@
           <a:p>
             <a:pPr lvl="0"/>
             <a:r>
-              <a:rPr lang="en-US" smtClean="0"/>
+              <a:rPr lang="en-US"/>
               <a:t>Click to edit Master text styles</a:t>
             </a:r>
           </a:p>
           <a:p>
             <a:pPr lvl="1"/>
             <a:r>
-              <a:rPr lang="en-US" smtClean="0"/>
+              <a:rPr lang="en-US"/>
               <a:t>Second level</a:t>
             </a:r>
           </a:p>
           <a:p>
             <a:pPr lvl="2"/>
             <a:r>
-              <a:rPr lang="en-US" smtClean="0"/>
+              <a:rPr lang="en-US"/>
               <a:t>Third level</a:t>
             </a:r>
           </a:p>
           <a:p>
             <a:pPr lvl="3"/>
             <a:r>
-              <a:rPr lang="en-US" smtClean="0"/>
+              <a:rPr lang="en-US"/>
               <a:t>Fourth level</a:t>
             </a:r>
           </a:p>
           <a:p>
             <a:pPr lvl="4"/>
             <a:r>
-              <a:rPr lang="en-US" smtClean="0"/>
+              <a:rPr lang="en-US"/>
               <a:t>Fifth level</a:t>
             </a:r>
-            <a:endParaRPr lang="en-US"/>
           </a:p>
         </p:txBody>
       </p:sp>
@@ -1190,38 +1180,37 @@
           <a:p>
             <a:pPr lvl="0"/>
             <a:r>
-              <a:rPr lang="en-US" smtClean="0"/>
+              <a:rPr lang="en-US"/>
               <a:t>Click to edit Master text styles</a:t>
             </a:r>
           </a:p>
           <a:p>
             <a:pPr lvl="1"/>
             <a:r>
-              <a:rPr lang="en-US" smtClean="0"/>
+              <a:rPr lang="en-US"/>
               <a:t>Second level</a:t>
             </a:r>
           </a:p>
           <a:p>
             <a:pPr lvl="2"/>
             <a:r>
-              <a:rPr lang="en-US" smtClean="0"/>
+              <a:rPr lang="en-US"/>
               <a:t>Third level</a:t>
             </a:r>
           </a:p>
           <a:p>
             <a:pPr lvl="3"/>
             <a:r>
-              <a:rPr lang="en-US" smtClean="0"/>
+              <a:rPr lang="en-US"/>
               <a:t>Fourth level</a:t>
             </a:r>
           </a:p>
           <a:p>
             <a:pPr lvl="4"/>
             <a:r>
-              <a:rPr lang="en-US" smtClean="0"/>
+              <a:rPr lang="en-US"/>
               <a:t>Fifth level</a:t>
             </a:r>
-            <a:endParaRPr lang="en-US"/>
           </a:p>
         </p:txBody>
       </p:sp>
@@ -1242,7 +1231,7 @@
           <a:p>
             <a:fld id="{28BE630F-C39C-4DB9-8258-0B48CA067079}" type="datetimeFigureOut">
               <a:rPr lang="en-US" smtClean="0"/>
-              <a:t>11/25/2021</a:t>
+              <a:t>11/27/2021</a:t>
             </a:fld>
             <a:endParaRPr lang="en-US"/>
           </a:p>
@@ -1341,10 +1330,9 @@
           <a:lstStyle/>
           <a:p>
             <a:r>
-              <a:rPr lang="en-US" smtClean="0"/>
+              <a:rPr lang="en-US"/>
               <a:t>Click to edit Master title style</a:t>
             </a:r>
-            <a:endParaRPr lang="en-US"/>
           </a:p>
         </p:txBody>
       </p:sp>
@@ -1407,7 +1395,7 @@
           <a:p>
             <a:pPr lvl="0"/>
             <a:r>
-              <a:rPr lang="en-US" smtClean="0"/>
+              <a:rPr lang="en-US"/>
               <a:t>Click to edit Master text styles</a:t>
             </a:r>
           </a:p>
@@ -1435,38 +1423,37 @@
           <a:p>
             <a:pPr lvl="0"/>
             <a:r>
-              <a:rPr lang="en-US" smtClean="0"/>
+              <a:rPr lang="en-US"/>
               <a:t>Click to edit Master text styles</a:t>
             </a:r>
           </a:p>
           <a:p>
             <a:pPr lvl="1"/>
             <a:r>
-              <a:rPr lang="en-US" smtClean="0"/>
+              <a:rPr lang="en-US"/>
               <a:t>Second level</a:t>
             </a:r>
           </a:p>
           <a:p>
             <a:pPr lvl="2"/>
             <a:r>
-              <a:rPr lang="en-US" smtClean="0"/>
+              <a:rPr lang="en-US"/>
               <a:t>Third level</a:t>
             </a:r>
           </a:p>
           <a:p>
             <a:pPr lvl="3"/>
             <a:r>
-              <a:rPr lang="en-US" smtClean="0"/>
+              <a:rPr lang="en-US"/>
               <a:t>Fourth level</a:t>
             </a:r>
           </a:p>
           <a:p>
             <a:pPr lvl="4"/>
             <a:r>
-              <a:rPr lang="en-US" smtClean="0"/>
+              <a:rPr lang="en-US"/>
               <a:t>Fifth level</a:t>
             </a:r>
-            <a:endParaRPr lang="en-US"/>
           </a:p>
         </p:txBody>
       </p:sp>
@@ -1529,7 +1516,7 @@
           <a:p>
             <a:pPr lvl="0"/>
             <a:r>
-              <a:rPr lang="en-US" smtClean="0"/>
+              <a:rPr lang="en-US"/>
               <a:t>Click to edit Master text styles</a:t>
             </a:r>
           </a:p>
@@ -1557,38 +1544,37 @@
           <a:p>
             <a:pPr lvl="0"/>
             <a:r>
-              <a:rPr lang="en-US" smtClean="0"/>
+              <a:rPr lang="en-US"/>
               <a:t>Click to edit Master text styles</a:t>
             </a:r>
           </a:p>
           <a:p>
             <a:pPr lvl="1"/>
             <a:r>
-              <a:rPr lang="en-US" smtClean="0"/>
+              <a:rPr lang="en-US"/>
               <a:t>Second level</a:t>
             </a:r>
           </a:p>
           <a:p>
             <a:pPr lvl="2"/>
             <a:r>
-              <a:rPr lang="en-US" smtClean="0"/>
+              <a:rPr lang="en-US"/>
               <a:t>Third level</a:t>
             </a:r>
           </a:p>
           <a:p>
             <a:pPr lvl="3"/>
             <a:r>
-              <a:rPr lang="en-US" smtClean="0"/>
+              <a:rPr lang="en-US"/>
               <a:t>Fourth level</a:t>
             </a:r>
           </a:p>
           <a:p>
             <a:pPr lvl="4"/>
             <a:r>
-              <a:rPr lang="en-US" smtClean="0"/>
+              <a:rPr lang="en-US"/>
               <a:t>Fifth level</a:t>
             </a:r>
-            <a:endParaRPr lang="en-US"/>
           </a:p>
         </p:txBody>
       </p:sp>
@@ -1609,7 +1595,7 @@
           <a:p>
             <a:fld id="{28BE630F-C39C-4DB9-8258-0B48CA067079}" type="datetimeFigureOut">
               <a:rPr lang="en-US" smtClean="0"/>
-              <a:t>11/25/2021</a:t>
+              <a:t>11/27/2021</a:t>
             </a:fld>
             <a:endParaRPr lang="en-US"/>
           </a:p>
@@ -1703,10 +1689,9 @@
           <a:lstStyle/>
           <a:p>
             <a:r>
-              <a:rPr lang="en-US" smtClean="0"/>
+              <a:rPr lang="en-US"/>
               <a:t>Click to edit Master title style</a:t>
             </a:r>
-            <a:endParaRPr lang="en-US"/>
           </a:p>
         </p:txBody>
       </p:sp>
@@ -1727,7 +1712,7 @@
           <a:p>
             <a:fld id="{28BE630F-C39C-4DB9-8258-0B48CA067079}" type="datetimeFigureOut">
               <a:rPr lang="en-US" smtClean="0"/>
-              <a:t>11/25/2021</a:t>
+              <a:t>11/27/2021</a:t>
             </a:fld>
             <a:endParaRPr lang="en-US"/>
           </a:p>
@@ -1822,7 +1807,7 @@
           <a:p>
             <a:fld id="{28BE630F-C39C-4DB9-8258-0B48CA067079}" type="datetimeFigureOut">
               <a:rPr lang="en-US" smtClean="0"/>
-              <a:t>11/25/2021</a:t>
+              <a:t>11/27/2021</a:t>
             </a:fld>
             <a:endParaRPr lang="en-US"/>
           </a:p>
@@ -1925,10 +1910,9 @@
           </a:lstStyle>
           <a:p>
             <a:r>
-              <a:rPr lang="en-US" smtClean="0"/>
+              <a:rPr lang="en-US"/>
               <a:t>Click to edit Master title style</a:t>
             </a:r>
-            <a:endParaRPr lang="en-US"/>
           </a:p>
         </p:txBody>
       </p:sp>
@@ -1982,38 +1966,37 @@
           <a:p>
             <a:pPr lvl="0"/>
             <a:r>
-              <a:rPr lang="en-US" smtClean="0"/>
+              <a:rPr lang="en-US"/>
               <a:t>Click to edit Master text styles</a:t>
             </a:r>
           </a:p>
           <a:p>
             <a:pPr lvl="1"/>
             <a:r>
-              <a:rPr lang="en-US" smtClean="0"/>
+              <a:rPr lang="en-US"/>
               <a:t>Second level</a:t>
             </a:r>
           </a:p>
           <a:p>
             <a:pPr lvl="2"/>
             <a:r>
-              <a:rPr lang="en-US" smtClean="0"/>
+              <a:rPr lang="en-US"/>
               <a:t>Third level</a:t>
             </a:r>
           </a:p>
           <a:p>
             <a:pPr lvl="3"/>
             <a:r>
-              <a:rPr lang="en-US" smtClean="0"/>
+              <a:rPr lang="en-US"/>
               <a:t>Fourth level</a:t>
             </a:r>
           </a:p>
           <a:p>
             <a:pPr lvl="4"/>
             <a:r>
-              <a:rPr lang="en-US" smtClean="0"/>
+              <a:rPr lang="en-US"/>
               <a:t>Fifth level</a:t>
             </a:r>
-            <a:endParaRPr lang="en-US"/>
           </a:p>
         </p:txBody>
       </p:sp>
@@ -2076,7 +2059,7 @@
           <a:p>
             <a:pPr lvl="0"/>
             <a:r>
-              <a:rPr lang="en-US" smtClean="0"/>
+              <a:rPr lang="en-US"/>
               <a:t>Click to edit Master text styles</a:t>
             </a:r>
           </a:p>
@@ -2099,7 +2082,7 @@
           <a:p>
             <a:fld id="{28BE630F-C39C-4DB9-8258-0B48CA067079}" type="datetimeFigureOut">
               <a:rPr lang="en-US" smtClean="0"/>
-              <a:t>11/25/2021</a:t>
+              <a:t>11/27/2021</a:t>
             </a:fld>
             <a:endParaRPr lang="en-US"/>
           </a:p>
@@ -2202,10 +2185,9 @@
           </a:lstStyle>
           <a:p>
             <a:r>
-              <a:rPr lang="en-US" smtClean="0"/>
+              <a:rPr lang="en-US"/>
               <a:t>Click to edit Master title style</a:t>
             </a:r>
-            <a:endParaRPr lang="en-US"/>
           </a:p>
         </p:txBody>
       </p:sp>
@@ -2329,7 +2311,7 @@
           <a:p>
             <a:pPr lvl="0"/>
             <a:r>
-              <a:rPr lang="en-US" smtClean="0"/>
+              <a:rPr lang="en-US"/>
               <a:t>Click to edit Master text styles</a:t>
             </a:r>
           </a:p>
@@ -2352,7 +2334,7 @@
           <a:p>
             <a:fld id="{28BE630F-C39C-4DB9-8258-0B48CA067079}" type="datetimeFigureOut">
               <a:rPr lang="en-US" smtClean="0"/>
-              <a:t>11/25/2021</a:t>
+              <a:t>11/27/2021</a:t>
             </a:fld>
             <a:endParaRPr lang="en-US"/>
           </a:p>
@@ -2461,10 +2443,9 @@
           <a:lstStyle/>
           <a:p>
             <a:r>
-              <a:rPr lang="en-US" smtClean="0"/>
+              <a:rPr lang="en-US"/>
               <a:t>Click to edit Master title style</a:t>
             </a:r>
-            <a:endParaRPr lang="en-US"/>
           </a:p>
         </p:txBody>
       </p:sp>
@@ -2495,38 +2476,37 @@
           <a:p>
             <a:pPr lvl="0"/>
             <a:r>
-              <a:rPr lang="en-US" smtClean="0"/>
+              <a:rPr lang="en-US"/>
               <a:t>Click to edit Master text styles</a:t>
             </a:r>
           </a:p>
           <a:p>
             <a:pPr lvl="1"/>
             <a:r>
-              <a:rPr lang="en-US" smtClean="0"/>
+              <a:rPr lang="en-US"/>
               <a:t>Second level</a:t>
             </a:r>
           </a:p>
           <a:p>
             <a:pPr lvl="2"/>
             <a:r>
-              <a:rPr lang="en-US" smtClean="0"/>
+              <a:rPr lang="en-US"/>
               <a:t>Third level</a:t>
             </a:r>
           </a:p>
           <a:p>
             <a:pPr lvl="3"/>
             <a:r>
-              <a:rPr lang="en-US" smtClean="0"/>
+              <a:rPr lang="en-US"/>
               <a:t>Fourth level</a:t>
             </a:r>
           </a:p>
           <a:p>
             <a:pPr lvl="4"/>
             <a:r>
-              <a:rPr lang="en-US" smtClean="0"/>
+              <a:rPr lang="en-US"/>
               <a:t>Fifth level</a:t>
             </a:r>
-            <a:endParaRPr lang="en-US"/>
           </a:p>
         </p:txBody>
       </p:sp>
@@ -2565,7 +2545,7 @@
           <a:p>
             <a:fld id="{28BE630F-C39C-4DB9-8258-0B48CA067079}" type="datetimeFigureOut">
               <a:rPr lang="en-US" smtClean="0"/>
-              <a:t>11/25/2021</a:t>
+              <a:t>11/27/2021</a:t>
             </a:fld>
             <a:endParaRPr lang="en-US"/>
           </a:p>
@@ -3004,12 +2984,8 @@
           </a:lstStyle>
           <a:p>
             <a:r>
-              <a:rPr lang="en-US" dirty="0" smtClean="0"/>
-              <a:t>ER DIAGRAMM </a:t>
-            </a:r>
-            <a:r>
               <a:rPr lang="en-US" dirty="0"/>
-              <a:t>TEMPLATE</a:t>
+              <a:t>ER DIAGRAMM TEMPLATE</a:t>
             </a:r>
           </a:p>
         </p:txBody>
@@ -3290,10 +3266,9 @@
           <a:lstStyle/>
           <a:p>
             <a:r>
-              <a:rPr lang="en-US" b="1" dirty="0" smtClean="0"/>
+              <a:rPr lang="en-US" b="1" dirty="0"/>
               <a:t>class</a:t>
             </a:r>
-            <a:endParaRPr lang="en-US" b="1" dirty="0"/>
           </a:p>
         </p:txBody>
       </p:sp>
@@ -3358,10 +3333,9 @@
           <a:lstStyle/>
           <a:p>
             <a:r>
-              <a:rPr lang="en-US" b="1" dirty="0" smtClean="0"/>
+              <a:rPr lang="en-US" b="1" dirty="0"/>
               <a:t>student</a:t>
             </a:r>
-            <a:endParaRPr lang="en-US" b="1" dirty="0"/>
           </a:p>
         </p:txBody>
       </p:sp>
@@ -3426,10 +3400,9 @@
           <a:lstStyle/>
           <a:p>
             <a:r>
-              <a:rPr lang="en-US" b="1" dirty="0" smtClean="0"/>
+              <a:rPr lang="en-US" b="1" dirty="0"/>
               <a:t>exam_score</a:t>
             </a:r>
-            <a:endParaRPr lang="en-US" b="1" dirty="0"/>
           </a:p>
         </p:txBody>
       </p:sp>
@@ -3494,10 +3467,9 @@
           <a:lstStyle/>
           <a:p>
             <a:r>
-              <a:rPr lang="en-US" b="1" dirty="0" smtClean="0"/>
+              <a:rPr lang="en-US" b="1" dirty="0"/>
               <a:t>exam_type</a:t>
             </a:r>
-            <a:endParaRPr lang="en-US" b="1" dirty="0"/>
           </a:p>
         </p:txBody>
       </p:sp>
@@ -3562,10 +3534,9 @@
           <a:lstStyle/>
           <a:p>
             <a:r>
-              <a:rPr lang="en-US" b="1" dirty="0" smtClean="0"/>
+              <a:rPr lang="en-US" b="1" dirty="0"/>
               <a:t>topic</a:t>
             </a:r>
-            <a:endParaRPr lang="en-US" b="1" dirty="0"/>
           </a:p>
         </p:txBody>
       </p:sp>
@@ -3630,10 +3601,9 @@
           <a:lstStyle/>
           <a:p>
             <a:r>
-              <a:rPr lang="en-US" b="1" dirty="0" smtClean="0"/>
+              <a:rPr lang="en-US" b="1" dirty="0"/>
               <a:t>batch</a:t>
             </a:r>
-            <a:endParaRPr lang="en-US" b="1" dirty="0"/>
           </a:p>
         </p:txBody>
       </p:sp>
@@ -4053,10 +4023,9 @@
           <a:lstStyle/>
           <a:p>
             <a:r>
-              <a:rPr lang="en-US" dirty="0" smtClean="0"/>
+              <a:rPr lang="en-US" dirty="0"/>
               <a:t>first_name</a:t>
             </a:r>
-            <a:endParaRPr lang="en-US" dirty="0"/>
           </a:p>
         </p:txBody>
       </p:sp>
@@ -4083,10 +4052,9 @@
           <a:lstStyle/>
           <a:p>
             <a:r>
-              <a:rPr lang="en-US" dirty="0" smtClean="0"/>
+              <a:rPr lang="en-US" dirty="0"/>
               <a:t>last_name</a:t>
             </a:r>
-            <a:endParaRPr lang="en-US" dirty="0"/>
           </a:p>
         </p:txBody>
       </p:sp>
@@ -4113,10 +4081,9 @@
           <a:lstStyle/>
           <a:p>
             <a:r>
-              <a:rPr lang="en-US" dirty="0" smtClean="0"/>
+              <a:rPr lang="en-US" dirty="0"/>
               <a:t>score</a:t>
             </a:r>
-            <a:endParaRPr lang="en-US" dirty="0"/>
           </a:p>
         </p:txBody>
       </p:sp>
@@ -4143,10 +4110,9 @@
           <a:lstStyle/>
           <a:p>
             <a:r>
-              <a:rPr lang="en-US" dirty="0" smtClean="0"/>
+              <a:rPr lang="en-US" dirty="0"/>
               <a:t>title</a:t>
             </a:r>
-            <a:endParaRPr lang="en-US" dirty="0"/>
           </a:p>
         </p:txBody>
       </p:sp>
@@ -4173,10 +4139,9 @@
           <a:lstStyle/>
           <a:p>
             <a:r>
-              <a:rPr lang="en-US" b="1" dirty="0" smtClean="0"/>
+              <a:rPr lang="en-US" b="1" dirty="0"/>
               <a:t>id</a:t>
             </a:r>
-            <a:endParaRPr lang="en-US" b="1" dirty="0"/>
           </a:p>
         </p:txBody>
       </p:sp>
@@ -4203,10 +4168,9 @@
           <a:lstStyle/>
           <a:p>
             <a:r>
-              <a:rPr lang="en-US" b="1" dirty="0" smtClean="0"/>
+              <a:rPr lang="en-US" b="1" dirty="0"/>
               <a:t>id</a:t>
             </a:r>
-            <a:endParaRPr lang="en-US" b="1" dirty="0"/>
           </a:p>
         </p:txBody>
       </p:sp>
@@ -4233,10 +4197,9 @@
           <a:lstStyle/>
           <a:p>
             <a:r>
-              <a:rPr lang="en-US" b="1" dirty="0" smtClean="0"/>
+              <a:rPr lang="en-US" b="1" dirty="0"/>
               <a:t>id</a:t>
             </a:r>
-            <a:endParaRPr lang="en-US" b="1" dirty="0"/>
           </a:p>
         </p:txBody>
       </p:sp>
@@ -4263,10 +4226,9 @@
           <a:lstStyle/>
           <a:p>
             <a:r>
-              <a:rPr lang="en-US" b="1" dirty="0" smtClean="0"/>
+              <a:rPr lang="en-US" b="1" dirty="0"/>
               <a:t>id</a:t>
             </a:r>
-            <a:endParaRPr lang="en-US" b="1" dirty="0"/>
           </a:p>
         </p:txBody>
       </p:sp>
@@ -4293,10 +4255,9 @@
           <a:lstStyle/>
           <a:p>
             <a:r>
-              <a:rPr lang="en-US" dirty="0" smtClean="0"/>
+              <a:rPr lang="en-US" dirty="0"/>
               <a:t>name</a:t>
             </a:r>
-            <a:endParaRPr lang="en-US" dirty="0"/>
           </a:p>
         </p:txBody>
       </p:sp>
@@ -4323,10 +4284,9 @@
           <a:lstStyle/>
           <a:p>
             <a:r>
-              <a:rPr lang="en-US" dirty="0" smtClean="0"/>
+              <a:rPr lang="en-US" dirty="0"/>
               <a:t>title</a:t>
             </a:r>
-            <a:endParaRPr lang="en-US" dirty="0"/>
           </a:p>
         </p:txBody>
       </p:sp>
@@ -4353,10 +4313,9 @@
           <a:lstStyle/>
           <a:p>
             <a:r>
-              <a:rPr lang="en-US" b="1" dirty="0" smtClean="0"/>
+              <a:rPr lang="en-US" b="1" dirty="0"/>
               <a:t>id</a:t>
             </a:r>
-            <a:endParaRPr lang="en-US" b="1" dirty="0"/>
           </a:p>
         </p:txBody>
       </p:sp>
@@ -4383,10 +4342,9 @@
           <a:lstStyle/>
           <a:p>
             <a:r>
-              <a:rPr lang="en-US" dirty="0" smtClean="0"/>
+              <a:rPr lang="en-US" dirty="0"/>
               <a:t>sex</a:t>
             </a:r>
-            <a:endParaRPr lang="en-US" dirty="0"/>
           </a:p>
         </p:txBody>
       </p:sp>
@@ -4413,10 +4371,9 @@
           <a:lstStyle/>
           <a:p>
             <a:r>
-              <a:rPr lang="en-US" b="1" dirty="0" smtClean="0"/>
+              <a:rPr lang="en-US" b="1" dirty="0"/>
               <a:t>id</a:t>
             </a:r>
-            <a:endParaRPr lang="en-US" b="1" dirty="0"/>
           </a:p>
         </p:txBody>
       </p:sp>
@@ -4443,7 +4400,7 @@
           <a:lstStyle/>
           <a:p>
             <a:r>
-              <a:rPr lang="en-US" smtClean="0"/>
+              <a:rPr lang="en-US"/>
               <a:t>name</a:t>
             </a:r>
             <a:endParaRPr lang="en-US" dirty="0"/>
@@ -4473,18 +4430,13 @@
           <a:lstStyle/>
           <a:p>
             <a:r>
-              <a:rPr lang="en-US" dirty="0" smtClean="0">
+              <a:rPr lang="en-US" dirty="0">
                 <a:solidFill>
                   <a:schemeClr val="accent1"/>
                 </a:solidFill>
               </a:rPr>
               <a:t>1</a:t>
             </a:r>
-            <a:endParaRPr lang="en-US" dirty="0">
-              <a:solidFill>
-                <a:schemeClr val="accent1"/>
-              </a:solidFill>
-            </a:endParaRPr>
           </a:p>
         </p:txBody>
       </p:sp>
@@ -4511,18 +4463,13 @@
           <a:lstStyle/>
           <a:p>
             <a:r>
-              <a:rPr lang="en-US" dirty="0" smtClean="0">
+              <a:rPr lang="en-US" dirty="0">
                 <a:solidFill>
                   <a:schemeClr val="accent1"/>
                 </a:solidFill>
               </a:rPr>
               <a:t>*</a:t>
             </a:r>
-            <a:endParaRPr lang="en-US" dirty="0">
-              <a:solidFill>
-                <a:schemeClr val="accent1"/>
-              </a:solidFill>
-            </a:endParaRPr>
           </a:p>
         </p:txBody>
       </p:sp>
@@ -4549,18 +4496,13 @@
           <a:lstStyle/>
           <a:p>
             <a:r>
-              <a:rPr lang="en-US" dirty="0" smtClean="0">
+              <a:rPr lang="en-US" dirty="0">
                 <a:solidFill>
                   <a:schemeClr val="accent1"/>
                 </a:solidFill>
               </a:rPr>
               <a:t>1</a:t>
             </a:r>
-            <a:endParaRPr lang="en-US" dirty="0">
-              <a:solidFill>
-                <a:schemeClr val="accent1"/>
-              </a:solidFill>
-            </a:endParaRPr>
           </a:p>
         </p:txBody>
       </p:sp>
@@ -4587,18 +4529,13 @@
           <a:lstStyle/>
           <a:p>
             <a:r>
-              <a:rPr lang="en-US" dirty="0" smtClean="0">
+              <a:rPr lang="en-US" dirty="0">
                 <a:solidFill>
                   <a:schemeClr val="accent1"/>
                 </a:solidFill>
               </a:rPr>
               <a:t>*</a:t>
             </a:r>
-            <a:endParaRPr lang="en-US" dirty="0">
-              <a:solidFill>
-                <a:schemeClr val="accent1"/>
-              </a:solidFill>
-            </a:endParaRPr>
           </a:p>
         </p:txBody>
       </p:sp>
@@ -4625,18 +4562,13 @@
           <a:lstStyle/>
           <a:p>
             <a:r>
-              <a:rPr lang="en-US" dirty="0" smtClean="0">
+              <a:rPr lang="en-US" dirty="0">
                 <a:solidFill>
                   <a:schemeClr val="accent1"/>
                 </a:solidFill>
               </a:rPr>
               <a:t>1</a:t>
             </a:r>
-            <a:endParaRPr lang="en-US" dirty="0">
-              <a:solidFill>
-                <a:schemeClr val="accent1"/>
-              </a:solidFill>
-            </a:endParaRPr>
           </a:p>
         </p:txBody>
       </p:sp>
@@ -4663,18 +4595,13 @@
           <a:lstStyle/>
           <a:p>
             <a:r>
-              <a:rPr lang="en-US" dirty="0" smtClean="0">
+              <a:rPr lang="en-US" dirty="0">
                 <a:solidFill>
                   <a:schemeClr val="accent1"/>
                 </a:solidFill>
               </a:rPr>
               <a:t>*</a:t>
             </a:r>
-            <a:endParaRPr lang="en-US" dirty="0">
-              <a:solidFill>
-                <a:schemeClr val="accent1"/>
-              </a:solidFill>
-            </a:endParaRPr>
           </a:p>
         </p:txBody>
       </p:sp>
@@ -4701,18 +4628,13 @@
           <a:lstStyle/>
           <a:p>
             <a:r>
-              <a:rPr lang="en-US" dirty="0" smtClean="0">
+              <a:rPr lang="en-US" dirty="0">
                 <a:solidFill>
                   <a:schemeClr val="accent1"/>
                 </a:solidFill>
               </a:rPr>
               <a:t>1</a:t>
             </a:r>
-            <a:endParaRPr lang="en-US" dirty="0">
-              <a:solidFill>
-                <a:schemeClr val="accent1"/>
-              </a:solidFill>
-            </a:endParaRPr>
           </a:p>
         </p:txBody>
       </p:sp>
@@ -4739,18 +4661,13 @@
           <a:lstStyle/>
           <a:p>
             <a:r>
-              <a:rPr lang="en-US" dirty="0" smtClean="0">
+              <a:rPr lang="en-US" dirty="0">
                 <a:solidFill>
                   <a:schemeClr val="accent1"/>
                 </a:solidFill>
               </a:rPr>
               <a:t>*</a:t>
             </a:r>
-            <a:endParaRPr lang="en-US" dirty="0">
-              <a:solidFill>
-                <a:schemeClr val="accent1"/>
-              </a:solidFill>
-            </a:endParaRPr>
           </a:p>
         </p:txBody>
       </p:sp>
@@ -4777,18 +4694,13 @@
           <a:lstStyle/>
           <a:p>
             <a:r>
-              <a:rPr lang="en-US" dirty="0" smtClean="0">
+              <a:rPr lang="en-US" dirty="0">
                 <a:solidFill>
                   <a:schemeClr val="accent1"/>
                 </a:solidFill>
               </a:rPr>
               <a:t>*</a:t>
             </a:r>
-            <a:endParaRPr lang="en-US" dirty="0">
-              <a:solidFill>
-                <a:schemeClr val="accent1"/>
-              </a:solidFill>
-            </a:endParaRPr>
           </a:p>
         </p:txBody>
       </p:sp>
@@ -4815,18 +4727,13 @@
           <a:lstStyle/>
           <a:p>
             <a:r>
-              <a:rPr lang="en-US" dirty="0" smtClean="0">
+              <a:rPr lang="en-US" dirty="0">
                 <a:solidFill>
                   <a:schemeClr val="accent1"/>
                 </a:solidFill>
               </a:rPr>
               <a:t>1</a:t>
             </a:r>
-            <a:endParaRPr lang="en-US" dirty="0">
-              <a:solidFill>
-                <a:schemeClr val="accent1"/>
-              </a:solidFill>
-            </a:endParaRPr>
           </a:p>
         </p:txBody>
       </p:sp>
@@ -4853,18 +4760,13 @@
           <a:lstStyle/>
           <a:p>
             <a:r>
-              <a:rPr lang="en-US" sz="1600" b="1" dirty="0" smtClean="0">
+              <a:rPr lang="en-US" sz="1600" b="1" dirty="0">
                 <a:solidFill>
                   <a:schemeClr val="accent2"/>
                 </a:solidFill>
               </a:rPr>
               <a:t>PK</a:t>
             </a:r>
-            <a:endParaRPr lang="en-US" sz="1600" b="1" dirty="0">
-              <a:solidFill>
-                <a:schemeClr val="accent2"/>
-              </a:solidFill>
-            </a:endParaRPr>
           </a:p>
         </p:txBody>
       </p:sp>
@@ -4891,18 +4793,13 @@
           <a:lstStyle/>
           <a:p>
             <a:r>
-              <a:rPr lang="en-US" sz="1600" b="1" dirty="0" smtClean="0">
+              <a:rPr lang="en-US" sz="1600" b="1" dirty="0">
                 <a:solidFill>
                   <a:schemeClr val="accent2"/>
                 </a:solidFill>
               </a:rPr>
               <a:t>PK</a:t>
             </a:r>
-            <a:endParaRPr lang="en-US" sz="1600" b="1" dirty="0">
-              <a:solidFill>
-                <a:schemeClr val="accent2"/>
-              </a:solidFill>
-            </a:endParaRPr>
           </a:p>
         </p:txBody>
       </p:sp>
@@ -4929,18 +4826,13 @@
           <a:lstStyle/>
           <a:p>
             <a:r>
-              <a:rPr lang="en-US" sz="1600" b="1" dirty="0" smtClean="0">
+              <a:rPr lang="en-US" sz="1600" b="1" dirty="0">
                 <a:solidFill>
                   <a:schemeClr val="accent2"/>
                 </a:solidFill>
               </a:rPr>
               <a:t>PK</a:t>
             </a:r>
-            <a:endParaRPr lang="en-US" sz="1600" b="1" dirty="0">
-              <a:solidFill>
-                <a:schemeClr val="accent2"/>
-              </a:solidFill>
-            </a:endParaRPr>
           </a:p>
         </p:txBody>
       </p:sp>
@@ -4967,18 +4859,13 @@
           <a:lstStyle/>
           <a:p>
             <a:r>
-              <a:rPr lang="en-US" sz="1600" b="1" dirty="0" smtClean="0">
+              <a:rPr lang="en-US" sz="1600" b="1" dirty="0">
                 <a:solidFill>
                   <a:schemeClr val="accent2"/>
                 </a:solidFill>
               </a:rPr>
               <a:t>PK</a:t>
             </a:r>
-            <a:endParaRPr lang="en-US" sz="1600" b="1" dirty="0">
-              <a:solidFill>
-                <a:schemeClr val="accent2"/>
-              </a:solidFill>
-            </a:endParaRPr>
           </a:p>
         </p:txBody>
       </p:sp>
@@ -5005,18 +4892,13 @@
           <a:lstStyle/>
           <a:p>
             <a:r>
-              <a:rPr lang="en-US" sz="1600" b="1" dirty="0" smtClean="0">
+              <a:rPr lang="en-US" sz="1600" b="1" dirty="0">
                 <a:solidFill>
                   <a:schemeClr val="accent2"/>
                 </a:solidFill>
               </a:rPr>
               <a:t>PK</a:t>
             </a:r>
-            <a:endParaRPr lang="en-US" sz="1600" b="1" dirty="0">
-              <a:solidFill>
-                <a:schemeClr val="accent2"/>
-              </a:solidFill>
-            </a:endParaRPr>
           </a:p>
         </p:txBody>
       </p:sp>
@@ -5043,18 +4925,13 @@
           <a:lstStyle/>
           <a:p>
             <a:r>
-              <a:rPr lang="en-US" sz="1600" b="1" dirty="0" smtClean="0">
+              <a:rPr lang="en-US" sz="1600" b="1" dirty="0">
                 <a:solidFill>
                   <a:schemeClr val="accent2"/>
                 </a:solidFill>
               </a:rPr>
               <a:t>PK</a:t>
             </a:r>
-            <a:endParaRPr lang="en-US" sz="1600" b="1" dirty="0">
-              <a:solidFill>
-                <a:schemeClr val="accent2"/>
-              </a:solidFill>
-            </a:endParaRPr>
           </a:p>
         </p:txBody>
       </p:sp>
@@ -5081,10 +4958,9 @@
           <a:lstStyle/>
           <a:p>
             <a:r>
-              <a:rPr lang="en-US" dirty="0" smtClean="0"/>
+              <a:rPr lang="en-US" dirty="0"/>
               <a:t>batch_id</a:t>
             </a:r>
-            <a:endParaRPr lang="en-US" dirty="0"/>
           </a:p>
         </p:txBody>
       </p:sp>
@@ -5111,18 +4987,13 @@
           <a:lstStyle/>
           <a:p>
             <a:r>
-              <a:rPr lang="en-US" sz="1600" b="1" dirty="0" smtClean="0">
+              <a:rPr lang="en-US" sz="1600" b="1" dirty="0">
                 <a:solidFill>
                   <a:srgbClr val="7030A0"/>
                 </a:solidFill>
               </a:rPr>
               <a:t>FK</a:t>
             </a:r>
-            <a:endParaRPr lang="en-US" sz="1600" b="1" dirty="0">
-              <a:solidFill>
-                <a:srgbClr val="7030A0"/>
-              </a:solidFill>
-            </a:endParaRPr>
           </a:p>
         </p:txBody>
       </p:sp>
@@ -5149,10 +5020,9 @@
           <a:lstStyle/>
           <a:p>
             <a:r>
-              <a:rPr lang="en-US" dirty="0" smtClean="0"/>
+              <a:rPr lang="en-US" dirty="0"/>
               <a:t>class_id</a:t>
             </a:r>
-            <a:endParaRPr lang="en-US" dirty="0"/>
           </a:p>
         </p:txBody>
       </p:sp>
@@ -5179,18 +5049,13 @@
           <a:lstStyle/>
           <a:p>
             <a:r>
-              <a:rPr lang="en-US" sz="1600" b="1" dirty="0" smtClean="0">
+              <a:rPr lang="en-US" sz="1600" b="1" dirty="0">
                 <a:solidFill>
                   <a:srgbClr val="7030A0"/>
                 </a:solidFill>
               </a:rPr>
               <a:t>FK</a:t>
             </a:r>
-            <a:endParaRPr lang="en-US" sz="1600" b="1" dirty="0">
-              <a:solidFill>
-                <a:srgbClr val="7030A0"/>
-              </a:solidFill>
-            </a:endParaRPr>
           </a:p>
         </p:txBody>
       </p:sp>
@@ -5217,7 +5082,7 @@
           <a:lstStyle/>
           <a:p>
             <a:r>
-              <a:rPr lang="en-US" dirty="0" err="1" smtClean="0"/>
+              <a:rPr lang="en-US" dirty="0" err="1"/>
               <a:t>student_id</a:t>
             </a:r>
             <a:endParaRPr lang="en-US" dirty="0"/>
@@ -5247,18 +5112,13 @@
           <a:lstStyle/>
           <a:p>
             <a:r>
-              <a:rPr lang="en-US" sz="1600" b="1" dirty="0" smtClean="0">
+              <a:rPr lang="en-US" sz="1600" b="1" dirty="0">
                 <a:solidFill>
                   <a:srgbClr val="7030A0"/>
                 </a:solidFill>
               </a:rPr>
               <a:t>FK</a:t>
             </a:r>
-            <a:endParaRPr lang="en-US" sz="1600" b="1" dirty="0">
-              <a:solidFill>
-                <a:srgbClr val="7030A0"/>
-              </a:solidFill>
-            </a:endParaRPr>
           </a:p>
         </p:txBody>
       </p:sp>
@@ -5285,7 +5145,7 @@
           <a:lstStyle/>
           <a:p>
             <a:r>
-              <a:rPr lang="en-US" dirty="0" err="1" smtClean="0"/>
+              <a:rPr lang="en-US" dirty="0" err="1"/>
               <a:t>topic_id</a:t>
             </a:r>
             <a:endParaRPr lang="en-US" dirty="0"/>
@@ -5315,18 +5175,13 @@
           <a:lstStyle/>
           <a:p>
             <a:r>
-              <a:rPr lang="en-US" sz="1600" b="1" dirty="0" smtClean="0">
+              <a:rPr lang="en-US" sz="1600" b="1" dirty="0">
                 <a:solidFill>
                   <a:srgbClr val="7030A0"/>
                 </a:solidFill>
               </a:rPr>
               <a:t>FK</a:t>
             </a:r>
-            <a:endParaRPr lang="en-US" sz="1600" b="1" dirty="0">
-              <a:solidFill>
-                <a:srgbClr val="7030A0"/>
-              </a:solidFill>
-            </a:endParaRPr>
           </a:p>
         </p:txBody>
       </p:sp>
@@ -5353,7 +5208,7 @@
           <a:lstStyle/>
           <a:p>
             <a:r>
-              <a:rPr lang="en-US" dirty="0" err="1" smtClean="0"/>
+              <a:rPr lang="en-US" dirty="0" err="1"/>
               <a:t>exam_type_id</a:t>
             </a:r>
             <a:endParaRPr lang="en-US" dirty="0"/>
@@ -5383,18 +5238,13 @@
           <a:lstStyle/>
           <a:p>
             <a:r>
-              <a:rPr lang="en-US" sz="1600" b="1" dirty="0" smtClean="0">
+              <a:rPr lang="en-US" sz="1600" b="1" dirty="0">
                 <a:solidFill>
                   <a:srgbClr val="7030A0"/>
                 </a:solidFill>
               </a:rPr>
               <a:t>FK</a:t>
             </a:r>
-            <a:endParaRPr lang="en-US" sz="1600" b="1" dirty="0">
-              <a:solidFill>
-                <a:srgbClr val="7030A0"/>
-              </a:solidFill>
-            </a:endParaRPr>
           </a:p>
         </p:txBody>
       </p:sp>
@@ -5402,6 +5252,978 @@
     <p:extLst>
       <p:ext uri="{BB962C8B-B14F-4D97-AF65-F5344CB8AC3E}">
         <p14:creationId xmlns:p14="http://schemas.microsoft.com/office/powerpoint/2010/main" val="3109588190"/>
+      </p:ext>
+    </p:extLst>
+  </p:cSld>
+  <p:clrMapOvr>
+    <a:masterClrMapping/>
+  </p:clrMapOvr>
+</p:sld>
+</file>
+
+<file path=ppt/slides/slide3.xml><?xml version="1.0" encoding="utf-8"?>
+<p:sld xmlns:a="http://schemas.openxmlformats.org/drawingml/2006/main" xmlns:r="http://schemas.openxmlformats.org/officeDocument/2006/relationships" xmlns:p="http://schemas.openxmlformats.org/presentationml/2006/main">
+  <p:cSld>
+    <p:spTree>
+      <p:nvGrpSpPr>
+        <p:cNvPr id="1" name=""/>
+        <p:cNvGrpSpPr/>
+        <p:nvPr/>
+      </p:nvGrpSpPr>
+      <p:grpSpPr>
+        <a:xfrm>
+          <a:off x="0" y="0"/>
+          <a:ext cx="0" cy="0"/>
+          <a:chOff x="0" y="0"/>
+          <a:chExt cx="0" cy="0"/>
+        </a:xfrm>
+      </p:grpSpPr>
+      <p:graphicFrame>
+        <p:nvGraphicFramePr>
+          <p:cNvPr id="4" name="Table 3">
+            <a:extLst>
+              <a:ext uri="{FF2B5EF4-FFF2-40B4-BE49-F238E27FC236}">
+                <a16:creationId xmlns:a16="http://schemas.microsoft.com/office/drawing/2014/main" id="{BA6B6F58-B77C-4337-AAC2-21DA1A0C2F3E}"/>
+              </a:ext>
+            </a:extLst>
+          </p:cNvPr>
+          <p:cNvGraphicFramePr>
+            <a:graphicFrameLocks noGrp="1"/>
+          </p:cNvGraphicFramePr>
+          <p:nvPr>
+            <p:extLst>
+              <p:ext uri="{D42A27DB-BD31-4B8C-83A1-F6EECF244321}">
+                <p14:modId xmlns:p14="http://schemas.microsoft.com/office/powerpoint/2010/main" val="3721573844"/>
+              </p:ext>
+            </p:extLst>
+          </p:nvPr>
+        </p:nvGraphicFramePr>
+        <p:xfrm>
+          <a:off x="5073883" y="250743"/>
+          <a:ext cx="1678609" cy="2656840"/>
+        </p:xfrm>
+        <a:graphic>
+          <a:graphicData uri="http://schemas.openxmlformats.org/drawingml/2006/table">
+            <a:tbl>
+              <a:tblPr firstRow="1" bandRow="1">
+                <a:tableStyleId>{5C22544A-7EE6-4342-B048-85BDC9FD1C3A}</a:tableStyleId>
+              </a:tblPr>
+              <a:tblGrid>
+                <a:gridCol w="1678609">
+                  <a:extLst>
+                    <a:ext uri="{9D8B030D-6E8A-4147-A177-3AD203B41FA5}">
+                      <a16:colId xmlns:a16="http://schemas.microsoft.com/office/drawing/2014/main" val="3066271360"/>
+                    </a:ext>
+                  </a:extLst>
+                </a:gridCol>
+              </a:tblGrid>
+              <a:tr h="370840">
+                <a:tc>
+                  <a:txBody>
+                    <a:bodyPr/>
+                    <a:lstStyle/>
+                    <a:p>
+                      <a:pPr algn="ctr"/>
+                      <a:r>
+                        <a:rPr lang="en-US" dirty="0">
+                          <a:solidFill>
+                            <a:schemeClr val="bg1"/>
+                          </a:solidFill>
+                        </a:rPr>
+                        <a:t>EVENT</a:t>
+                      </a:r>
+                    </a:p>
+                  </a:txBody>
+                  <a:tcPr/>
+                </a:tc>
+                <a:extLst>
+                  <a:ext uri="{0D108BD9-81ED-4DB2-BD59-A6C34878D82A}">
+                    <a16:rowId xmlns:a16="http://schemas.microsoft.com/office/drawing/2014/main" val="1034143852"/>
+                  </a:ext>
+                </a:extLst>
+              </a:tr>
+              <a:tr h="370840">
+                <a:tc>
+                  <a:txBody>
+                    <a:bodyPr/>
+                    <a:lstStyle/>
+                    <a:p>
+                      <a:r>
+                        <a:rPr lang="en-US" dirty="0" err="1"/>
+                        <a:t>event_id</a:t>
+                      </a:r>
+                      <a:endParaRPr lang="en-US" dirty="0"/>
+                    </a:p>
+                    <a:p>
+                      <a:r>
+                        <a:rPr lang="en-US" dirty="0"/>
+                        <a:t>title</a:t>
+                      </a:r>
+                    </a:p>
+                    <a:p>
+                      <a:r>
+                        <a:rPr lang="en-US" dirty="0"/>
+                        <a:t>start-date</a:t>
+                      </a:r>
+                    </a:p>
+                    <a:p>
+                      <a:r>
+                        <a:rPr lang="en-US" dirty="0"/>
+                        <a:t>end-date</a:t>
+                      </a:r>
+                    </a:p>
+                    <a:p>
+                      <a:r>
+                        <a:rPr lang="en-US" dirty="0"/>
+                        <a:t>description</a:t>
+                      </a:r>
+                    </a:p>
+                    <a:p>
+                      <a:r>
+                        <a:rPr lang="en-US" dirty="0"/>
+                        <a:t>profile</a:t>
+                      </a:r>
+                    </a:p>
+                    <a:p>
+                      <a:r>
+                        <a:rPr lang="en-US" dirty="0" err="1"/>
+                        <a:t>user_id</a:t>
+                      </a:r>
+                      <a:endParaRPr lang="en-US" dirty="0"/>
+                    </a:p>
+                    <a:p>
+                      <a:r>
+                        <a:rPr lang="en-US" dirty="0" err="1"/>
+                        <a:t>category_id</a:t>
+                      </a:r>
+                      <a:endParaRPr lang="en-US" dirty="0"/>
+                    </a:p>
+                  </a:txBody>
+                  <a:tcPr/>
+                </a:tc>
+                <a:extLst>
+                  <a:ext uri="{0D108BD9-81ED-4DB2-BD59-A6C34878D82A}">
+                    <a16:rowId xmlns:a16="http://schemas.microsoft.com/office/drawing/2014/main" val="1201554621"/>
+                  </a:ext>
+                </a:extLst>
+              </a:tr>
+            </a:tbl>
+          </a:graphicData>
+        </a:graphic>
+      </p:graphicFrame>
+      <p:graphicFrame>
+        <p:nvGraphicFramePr>
+          <p:cNvPr id="5" name="Table 4">
+            <a:extLst>
+              <a:ext uri="{FF2B5EF4-FFF2-40B4-BE49-F238E27FC236}">
+                <a16:creationId xmlns:a16="http://schemas.microsoft.com/office/drawing/2014/main" id="{E575C4A5-3B5E-493D-8579-AE74A6DA3EE5}"/>
+              </a:ext>
+            </a:extLst>
+          </p:cNvPr>
+          <p:cNvGraphicFramePr>
+            <a:graphicFrameLocks noGrp="1"/>
+          </p:cNvGraphicFramePr>
+          <p:nvPr>
+            <p:extLst>
+              <p:ext uri="{D42A27DB-BD31-4B8C-83A1-F6EECF244321}">
+                <p14:modId xmlns:p14="http://schemas.microsoft.com/office/powerpoint/2010/main" val="3755679524"/>
+              </p:ext>
+            </p:extLst>
+          </p:nvPr>
+        </p:nvGraphicFramePr>
+        <p:xfrm>
+          <a:off x="1144104" y="1912362"/>
+          <a:ext cx="1678609" cy="1833880"/>
+        </p:xfrm>
+        <a:graphic>
+          <a:graphicData uri="http://schemas.openxmlformats.org/drawingml/2006/table">
+            <a:tbl>
+              <a:tblPr firstRow="1" bandRow="1">
+                <a:tableStyleId>{5C22544A-7EE6-4342-B048-85BDC9FD1C3A}</a:tableStyleId>
+              </a:tblPr>
+              <a:tblGrid>
+                <a:gridCol w="1678609">
+                  <a:extLst>
+                    <a:ext uri="{9D8B030D-6E8A-4147-A177-3AD203B41FA5}">
+                      <a16:colId xmlns:a16="http://schemas.microsoft.com/office/drawing/2014/main" val="3066271360"/>
+                    </a:ext>
+                  </a:extLst>
+                </a:gridCol>
+              </a:tblGrid>
+              <a:tr h="370840">
+                <a:tc>
+                  <a:txBody>
+                    <a:bodyPr/>
+                    <a:lstStyle/>
+                    <a:p>
+                      <a:pPr algn="ctr"/>
+                      <a:r>
+                        <a:rPr lang="en-US" dirty="0">
+                          <a:solidFill>
+                            <a:schemeClr val="bg1"/>
+                          </a:solidFill>
+                        </a:rPr>
+                        <a:t>USER</a:t>
+                      </a:r>
+                    </a:p>
+                  </a:txBody>
+                  <a:tcPr/>
+                </a:tc>
+                <a:extLst>
+                  <a:ext uri="{0D108BD9-81ED-4DB2-BD59-A6C34878D82A}">
+                    <a16:rowId xmlns:a16="http://schemas.microsoft.com/office/drawing/2014/main" val="1034143852"/>
+                  </a:ext>
+                </a:extLst>
+              </a:tr>
+              <a:tr h="370840">
+                <a:tc>
+                  <a:txBody>
+                    <a:bodyPr/>
+                    <a:lstStyle/>
+                    <a:p>
+                      <a:r>
+                        <a:rPr lang="en-US" dirty="0" err="1"/>
+                        <a:t>user_id</a:t>
+                      </a:r>
+                      <a:r>
+                        <a:rPr lang="en-US" dirty="0"/>
+                        <a:t> :int</a:t>
+                      </a:r>
+                    </a:p>
+                    <a:p>
+                      <a:r>
+                        <a:rPr lang="en-US" dirty="0"/>
+                        <a:t>name: varchar</a:t>
+                      </a:r>
+                    </a:p>
+                    <a:p>
+                      <a:r>
+                        <a:rPr lang="en-US" dirty="0"/>
+                        <a:t>email: varchar</a:t>
+                      </a:r>
+                    </a:p>
+                    <a:p>
+                      <a:r>
+                        <a:rPr lang="en-US" dirty="0"/>
+                        <a:t>password: int</a:t>
+                      </a:r>
+                    </a:p>
+                    <a:p>
+                      <a:r>
+                        <a:rPr lang="en-US" dirty="0"/>
+                        <a:t>profile: string</a:t>
+                      </a:r>
+                    </a:p>
+                  </a:txBody>
+                  <a:tcPr/>
+                </a:tc>
+                <a:extLst>
+                  <a:ext uri="{0D108BD9-81ED-4DB2-BD59-A6C34878D82A}">
+                    <a16:rowId xmlns:a16="http://schemas.microsoft.com/office/drawing/2014/main" val="1201554621"/>
+                  </a:ext>
+                </a:extLst>
+              </a:tr>
+            </a:tbl>
+          </a:graphicData>
+        </a:graphic>
+      </p:graphicFrame>
+      <p:graphicFrame>
+        <p:nvGraphicFramePr>
+          <p:cNvPr id="6" name="Table 5">
+            <a:extLst>
+              <a:ext uri="{FF2B5EF4-FFF2-40B4-BE49-F238E27FC236}">
+                <a16:creationId xmlns:a16="http://schemas.microsoft.com/office/drawing/2014/main" id="{6F5A9B97-21A2-4BC8-B9BC-526F763E8F66}"/>
+              </a:ext>
+            </a:extLst>
+          </p:cNvPr>
+          <p:cNvGraphicFramePr>
+            <a:graphicFrameLocks noGrp="1"/>
+          </p:cNvGraphicFramePr>
+          <p:nvPr>
+            <p:extLst>
+              <p:ext uri="{D42A27DB-BD31-4B8C-83A1-F6EECF244321}">
+                <p14:modId xmlns:p14="http://schemas.microsoft.com/office/powerpoint/2010/main" val="34186961"/>
+              </p:ext>
+            </p:extLst>
+          </p:nvPr>
+        </p:nvGraphicFramePr>
+        <p:xfrm>
+          <a:off x="5073883" y="4303019"/>
+          <a:ext cx="1678609" cy="1285240"/>
+        </p:xfrm>
+        <a:graphic>
+          <a:graphicData uri="http://schemas.openxmlformats.org/drawingml/2006/table">
+            <a:tbl>
+              <a:tblPr firstRow="1" bandRow="1">
+                <a:tableStyleId>{5C22544A-7EE6-4342-B048-85BDC9FD1C3A}</a:tableStyleId>
+              </a:tblPr>
+              <a:tblGrid>
+                <a:gridCol w="1678609">
+                  <a:extLst>
+                    <a:ext uri="{9D8B030D-6E8A-4147-A177-3AD203B41FA5}">
+                      <a16:colId xmlns:a16="http://schemas.microsoft.com/office/drawing/2014/main" val="3066271360"/>
+                    </a:ext>
+                  </a:extLst>
+                </a:gridCol>
+              </a:tblGrid>
+              <a:tr h="370840">
+                <a:tc>
+                  <a:txBody>
+                    <a:bodyPr/>
+                    <a:lstStyle/>
+                    <a:p>
+                      <a:pPr algn="ctr"/>
+                      <a:r>
+                        <a:rPr lang="en-US" dirty="0">
+                          <a:solidFill>
+                            <a:schemeClr val="bg1"/>
+                          </a:solidFill>
+                        </a:rPr>
+                        <a:t>JOIN</a:t>
+                      </a:r>
+                    </a:p>
+                  </a:txBody>
+                  <a:tcPr/>
+                </a:tc>
+                <a:extLst>
+                  <a:ext uri="{0D108BD9-81ED-4DB2-BD59-A6C34878D82A}">
+                    <a16:rowId xmlns:a16="http://schemas.microsoft.com/office/drawing/2014/main" val="1034143852"/>
+                  </a:ext>
+                </a:extLst>
+              </a:tr>
+              <a:tr h="370840">
+                <a:tc>
+                  <a:txBody>
+                    <a:bodyPr/>
+                    <a:lstStyle/>
+                    <a:p>
+                      <a:r>
+                        <a:rPr lang="en-US" dirty="0"/>
+                        <a:t>Id</a:t>
+                      </a:r>
+                    </a:p>
+                    <a:p>
+                      <a:r>
+                        <a:rPr lang="en-US" dirty="0" err="1"/>
+                        <a:t>user_id</a:t>
+                      </a:r>
+                      <a:endParaRPr lang="en-US" dirty="0"/>
+                    </a:p>
+                    <a:p>
+                      <a:r>
+                        <a:rPr lang="en-US" dirty="0" err="1"/>
+                        <a:t>event_id</a:t>
+                      </a:r>
+                      <a:endParaRPr lang="en-US" dirty="0"/>
+                    </a:p>
+                  </a:txBody>
+                  <a:tcPr/>
+                </a:tc>
+                <a:extLst>
+                  <a:ext uri="{0D108BD9-81ED-4DB2-BD59-A6C34878D82A}">
+                    <a16:rowId xmlns:a16="http://schemas.microsoft.com/office/drawing/2014/main" val="1201554621"/>
+                  </a:ext>
+                </a:extLst>
+              </a:tr>
+            </a:tbl>
+          </a:graphicData>
+        </a:graphic>
+      </p:graphicFrame>
+      <p:graphicFrame>
+        <p:nvGraphicFramePr>
+          <p:cNvPr id="7" name="Table 6">
+            <a:extLst>
+              <a:ext uri="{FF2B5EF4-FFF2-40B4-BE49-F238E27FC236}">
+                <a16:creationId xmlns:a16="http://schemas.microsoft.com/office/drawing/2014/main" id="{1B2201C4-33D5-49F7-BDD1-14319FFA5D89}"/>
+              </a:ext>
+            </a:extLst>
+          </p:cNvPr>
+          <p:cNvGraphicFramePr>
+            <a:graphicFrameLocks noGrp="1"/>
+          </p:cNvGraphicFramePr>
+          <p:nvPr>
+            <p:extLst>
+              <p:ext uri="{D42A27DB-BD31-4B8C-83A1-F6EECF244321}">
+                <p14:modId xmlns:p14="http://schemas.microsoft.com/office/powerpoint/2010/main" val="2240890147"/>
+              </p:ext>
+            </p:extLst>
+          </p:nvPr>
+        </p:nvGraphicFramePr>
+        <p:xfrm>
+          <a:off x="8884903" y="3056794"/>
+          <a:ext cx="1678609" cy="1010920"/>
+        </p:xfrm>
+        <a:graphic>
+          <a:graphicData uri="http://schemas.openxmlformats.org/drawingml/2006/table">
+            <a:tbl>
+              <a:tblPr firstRow="1" bandRow="1">
+                <a:tableStyleId>{5C22544A-7EE6-4342-B048-85BDC9FD1C3A}</a:tableStyleId>
+              </a:tblPr>
+              <a:tblGrid>
+                <a:gridCol w="1678609">
+                  <a:extLst>
+                    <a:ext uri="{9D8B030D-6E8A-4147-A177-3AD203B41FA5}">
+                      <a16:colId xmlns:a16="http://schemas.microsoft.com/office/drawing/2014/main" val="3066271360"/>
+                    </a:ext>
+                  </a:extLst>
+                </a:gridCol>
+              </a:tblGrid>
+              <a:tr h="370840">
+                <a:tc>
+                  <a:txBody>
+                    <a:bodyPr/>
+                    <a:lstStyle/>
+                    <a:p>
+                      <a:pPr algn="ctr"/>
+                      <a:r>
+                        <a:rPr lang="en-US" dirty="0">
+                          <a:solidFill>
+                            <a:schemeClr val="bg1"/>
+                          </a:solidFill>
+                        </a:rPr>
+                        <a:t>CATEGORY</a:t>
+                      </a:r>
+                    </a:p>
+                  </a:txBody>
+                  <a:tcPr/>
+                </a:tc>
+                <a:extLst>
+                  <a:ext uri="{0D108BD9-81ED-4DB2-BD59-A6C34878D82A}">
+                    <a16:rowId xmlns:a16="http://schemas.microsoft.com/office/drawing/2014/main" val="1034143852"/>
+                  </a:ext>
+                </a:extLst>
+              </a:tr>
+              <a:tr h="370840">
+                <a:tc>
+                  <a:txBody>
+                    <a:bodyPr/>
+                    <a:lstStyle/>
+                    <a:p>
+                      <a:r>
+                        <a:rPr lang="en-US" dirty="0" err="1"/>
+                        <a:t>category_id</a:t>
+                      </a:r>
+                      <a:endParaRPr lang="en-US" dirty="0"/>
+                    </a:p>
+                    <a:p>
+                      <a:r>
+                        <a:rPr lang="en-US" dirty="0"/>
+                        <a:t>name</a:t>
+                      </a:r>
+                    </a:p>
+                  </a:txBody>
+                  <a:tcPr/>
+                </a:tc>
+                <a:extLst>
+                  <a:ext uri="{0D108BD9-81ED-4DB2-BD59-A6C34878D82A}">
+                    <a16:rowId xmlns:a16="http://schemas.microsoft.com/office/drawing/2014/main" val="1201554621"/>
+                  </a:ext>
+                </a:extLst>
+              </a:tr>
+            </a:tbl>
+          </a:graphicData>
+        </a:graphic>
+      </p:graphicFrame>
+      <p:sp>
+        <p:nvSpPr>
+          <p:cNvPr id="10" name="Rectangle 9">
+            <a:extLst>
+              <a:ext uri="{FF2B5EF4-FFF2-40B4-BE49-F238E27FC236}">
+                <a16:creationId xmlns:a16="http://schemas.microsoft.com/office/drawing/2014/main" id="{01C79F8C-44A0-4D6C-AD9D-12B6650910EB}"/>
+              </a:ext>
+            </a:extLst>
+          </p:cNvPr>
+          <p:cNvSpPr/>
+          <p:nvPr/>
+        </p:nvSpPr>
+        <p:spPr>
+          <a:xfrm>
+            <a:off x="1794054" y="3700592"/>
+            <a:ext cx="265044" cy="424070"/>
+          </a:xfrm>
+          <a:prstGeom prst="rect">
+            <a:avLst/>
+          </a:prstGeom>
+          <a:noFill/>
+          <a:ln>
+            <a:noFill/>
+          </a:ln>
+        </p:spPr>
+        <p:style>
+          <a:lnRef idx="2">
+            <a:schemeClr val="accent1">
+              <a:shade val="50000"/>
+            </a:schemeClr>
+          </a:lnRef>
+          <a:fillRef idx="1">
+            <a:schemeClr val="accent1"/>
+          </a:fillRef>
+          <a:effectRef idx="0">
+            <a:schemeClr val="accent1"/>
+          </a:effectRef>
+          <a:fontRef idx="minor">
+            <a:schemeClr val="lt1"/>
+          </a:fontRef>
+        </p:style>
+        <p:txBody>
+          <a:bodyPr rtlCol="0" anchor="ctr"/>
+          <a:lstStyle/>
+          <a:p>
+            <a:pPr algn="ctr"/>
+            <a:r>
+              <a:rPr lang="en-US" dirty="0">
+                <a:solidFill>
+                  <a:srgbClr val="FF0000"/>
+                </a:solidFill>
+              </a:rPr>
+              <a:t>1</a:t>
+            </a:r>
+          </a:p>
+        </p:txBody>
+      </p:sp>
+      <p:sp>
+        <p:nvSpPr>
+          <p:cNvPr id="11" name="Rectangle 10">
+            <a:extLst>
+              <a:ext uri="{FF2B5EF4-FFF2-40B4-BE49-F238E27FC236}">
+                <a16:creationId xmlns:a16="http://schemas.microsoft.com/office/drawing/2014/main" id="{F8850C91-A5C6-469B-BD0B-DC2B1CCB242F}"/>
+              </a:ext>
+            </a:extLst>
+          </p:cNvPr>
+          <p:cNvSpPr/>
+          <p:nvPr/>
+        </p:nvSpPr>
+        <p:spPr>
+          <a:xfrm>
+            <a:off x="4790660" y="4521569"/>
+            <a:ext cx="265044" cy="424070"/>
+          </a:xfrm>
+          <a:prstGeom prst="rect">
+            <a:avLst/>
+          </a:prstGeom>
+          <a:noFill/>
+          <a:ln>
+            <a:noFill/>
+          </a:ln>
+        </p:spPr>
+        <p:style>
+          <a:lnRef idx="2">
+            <a:schemeClr val="accent1">
+              <a:shade val="50000"/>
+            </a:schemeClr>
+          </a:lnRef>
+          <a:fillRef idx="1">
+            <a:schemeClr val="accent1"/>
+          </a:fillRef>
+          <a:effectRef idx="0">
+            <a:schemeClr val="accent1"/>
+          </a:effectRef>
+          <a:fontRef idx="minor">
+            <a:schemeClr val="lt1"/>
+          </a:fontRef>
+        </p:style>
+        <p:txBody>
+          <a:bodyPr rtlCol="0" anchor="ctr"/>
+          <a:lstStyle/>
+          <a:p>
+            <a:pPr algn="ctr"/>
+            <a:r>
+              <a:rPr lang="en-US" dirty="0">
+                <a:solidFill>
+                  <a:srgbClr val="FF0000"/>
+                </a:solidFill>
+              </a:rPr>
+              <a:t>*</a:t>
+            </a:r>
+          </a:p>
+        </p:txBody>
+      </p:sp>
+      <p:sp>
+        <p:nvSpPr>
+          <p:cNvPr id="12" name="Rectangle 11">
+            <a:extLst>
+              <a:ext uri="{FF2B5EF4-FFF2-40B4-BE49-F238E27FC236}">
+                <a16:creationId xmlns:a16="http://schemas.microsoft.com/office/drawing/2014/main" id="{7F120E3B-9B08-4D05-9045-A19064F58340}"/>
+              </a:ext>
+            </a:extLst>
+          </p:cNvPr>
+          <p:cNvSpPr/>
+          <p:nvPr/>
+        </p:nvSpPr>
+        <p:spPr>
+          <a:xfrm>
+            <a:off x="6739240" y="1269741"/>
+            <a:ext cx="265044" cy="424070"/>
+          </a:xfrm>
+          <a:prstGeom prst="rect">
+            <a:avLst/>
+          </a:prstGeom>
+          <a:noFill/>
+          <a:ln>
+            <a:noFill/>
+          </a:ln>
+        </p:spPr>
+        <p:style>
+          <a:lnRef idx="2">
+            <a:schemeClr val="accent1">
+              <a:shade val="50000"/>
+            </a:schemeClr>
+          </a:lnRef>
+          <a:fillRef idx="1">
+            <a:schemeClr val="accent1"/>
+          </a:fillRef>
+          <a:effectRef idx="0">
+            <a:schemeClr val="accent1"/>
+          </a:effectRef>
+          <a:fontRef idx="minor">
+            <a:schemeClr val="lt1"/>
+          </a:fontRef>
+        </p:style>
+        <p:txBody>
+          <a:bodyPr rtlCol="0" anchor="ctr"/>
+          <a:lstStyle/>
+          <a:p>
+            <a:pPr algn="ctr"/>
+            <a:r>
+              <a:rPr lang="en-US" dirty="0">
+                <a:solidFill>
+                  <a:srgbClr val="FF0000"/>
+                </a:solidFill>
+              </a:rPr>
+              <a:t>*</a:t>
+            </a:r>
+          </a:p>
+        </p:txBody>
+      </p:sp>
+      <p:cxnSp>
+        <p:nvCxnSpPr>
+          <p:cNvPr id="14" name="Straight Connector 13">
+            <a:extLst>
+              <a:ext uri="{FF2B5EF4-FFF2-40B4-BE49-F238E27FC236}">
+                <a16:creationId xmlns:a16="http://schemas.microsoft.com/office/drawing/2014/main" id="{9339741F-DC5D-4C5F-AFBD-532DF7D3179C}"/>
+              </a:ext>
+            </a:extLst>
+          </p:cNvPr>
+          <p:cNvCxnSpPr>
+            <a:endCxn id="7" idx="1"/>
+          </p:cNvCxnSpPr>
+          <p:nvPr/>
+        </p:nvCxnSpPr>
+        <p:spPr>
+          <a:xfrm>
+            <a:off x="6752492" y="1579163"/>
+            <a:ext cx="2132411" cy="1983091"/>
+          </a:xfrm>
+          <a:prstGeom prst="line">
+            <a:avLst/>
+          </a:prstGeom>
+        </p:spPr>
+        <p:style>
+          <a:lnRef idx="1">
+            <a:schemeClr val="accent1"/>
+          </a:lnRef>
+          <a:fillRef idx="0">
+            <a:schemeClr val="accent1"/>
+          </a:fillRef>
+          <a:effectRef idx="0">
+            <a:schemeClr val="accent1"/>
+          </a:effectRef>
+          <a:fontRef idx="minor">
+            <a:schemeClr val="tx1"/>
+          </a:fontRef>
+        </p:style>
+      </p:cxnSp>
+      <p:sp>
+        <p:nvSpPr>
+          <p:cNvPr id="15" name="Rectangle 14">
+            <a:extLst>
+              <a:ext uri="{FF2B5EF4-FFF2-40B4-BE49-F238E27FC236}">
+                <a16:creationId xmlns:a16="http://schemas.microsoft.com/office/drawing/2014/main" id="{45C85A81-95DA-46F3-84DE-0D7BB08FEEA9}"/>
+              </a:ext>
+            </a:extLst>
+          </p:cNvPr>
+          <p:cNvSpPr/>
+          <p:nvPr/>
+        </p:nvSpPr>
+        <p:spPr>
+          <a:xfrm>
+            <a:off x="8619859" y="3028854"/>
+            <a:ext cx="265044" cy="424070"/>
+          </a:xfrm>
+          <a:prstGeom prst="rect">
+            <a:avLst/>
+          </a:prstGeom>
+          <a:noFill/>
+          <a:ln>
+            <a:noFill/>
+          </a:ln>
+        </p:spPr>
+        <p:style>
+          <a:lnRef idx="2">
+            <a:schemeClr val="accent1">
+              <a:shade val="50000"/>
+            </a:schemeClr>
+          </a:lnRef>
+          <a:fillRef idx="1">
+            <a:schemeClr val="accent1"/>
+          </a:fillRef>
+          <a:effectRef idx="0">
+            <a:schemeClr val="accent1"/>
+          </a:effectRef>
+          <a:fontRef idx="minor">
+            <a:schemeClr val="lt1"/>
+          </a:fontRef>
+        </p:style>
+        <p:txBody>
+          <a:bodyPr rtlCol="0" anchor="ctr"/>
+          <a:lstStyle/>
+          <a:p>
+            <a:pPr algn="ctr"/>
+            <a:r>
+              <a:rPr lang="en-US" dirty="0">
+                <a:solidFill>
+                  <a:srgbClr val="FF0000"/>
+                </a:solidFill>
+              </a:rPr>
+              <a:t>1</a:t>
+            </a:r>
+          </a:p>
+        </p:txBody>
+      </p:sp>
+      <p:cxnSp>
+        <p:nvCxnSpPr>
+          <p:cNvPr id="17" name="Straight Connector 16">
+            <a:extLst>
+              <a:ext uri="{FF2B5EF4-FFF2-40B4-BE49-F238E27FC236}">
+                <a16:creationId xmlns:a16="http://schemas.microsoft.com/office/drawing/2014/main" id="{1EB872EA-CCB9-4B3F-8722-F73C40CCB953}"/>
+              </a:ext>
+            </a:extLst>
+          </p:cNvPr>
+          <p:cNvCxnSpPr/>
+          <p:nvPr/>
+        </p:nvCxnSpPr>
+        <p:spPr>
+          <a:xfrm flipV="1">
+            <a:off x="132522" y="-79513"/>
+            <a:ext cx="0" cy="79513"/>
+          </a:xfrm>
+          <a:prstGeom prst="line">
+            <a:avLst/>
+          </a:prstGeom>
+        </p:spPr>
+        <p:style>
+          <a:lnRef idx="1">
+            <a:schemeClr val="accent1"/>
+          </a:lnRef>
+          <a:fillRef idx="0">
+            <a:schemeClr val="accent1"/>
+          </a:fillRef>
+          <a:effectRef idx="0">
+            <a:schemeClr val="accent1"/>
+          </a:effectRef>
+          <a:fontRef idx="minor">
+            <a:schemeClr val="tx1"/>
+          </a:fontRef>
+        </p:style>
+      </p:cxnSp>
+      <p:cxnSp>
+        <p:nvCxnSpPr>
+          <p:cNvPr id="19" name="Straight Connector 18">
+            <a:extLst>
+              <a:ext uri="{FF2B5EF4-FFF2-40B4-BE49-F238E27FC236}">
+                <a16:creationId xmlns:a16="http://schemas.microsoft.com/office/drawing/2014/main" id="{39317994-898D-400C-A8F2-1304D583DB21}"/>
+              </a:ext>
+            </a:extLst>
+          </p:cNvPr>
+          <p:cNvCxnSpPr>
+            <a:cxnSpLocks/>
+            <a:stCxn id="6" idx="0"/>
+            <a:endCxn id="4" idx="2"/>
+          </p:cNvCxnSpPr>
+          <p:nvPr/>
+        </p:nvCxnSpPr>
+        <p:spPr>
+          <a:xfrm flipV="1">
+            <a:off x="5913187" y="2907583"/>
+            <a:ext cx="0" cy="1395436"/>
+          </a:xfrm>
+          <a:prstGeom prst="line">
+            <a:avLst/>
+          </a:prstGeom>
+        </p:spPr>
+        <p:style>
+          <a:lnRef idx="1">
+            <a:schemeClr val="accent1"/>
+          </a:lnRef>
+          <a:fillRef idx="0">
+            <a:schemeClr val="accent1"/>
+          </a:fillRef>
+          <a:effectRef idx="0">
+            <a:schemeClr val="accent1"/>
+          </a:effectRef>
+          <a:fontRef idx="minor">
+            <a:schemeClr val="tx1"/>
+          </a:fontRef>
+        </p:style>
+      </p:cxnSp>
+      <p:cxnSp>
+        <p:nvCxnSpPr>
+          <p:cNvPr id="23" name="Straight Connector 22">
+            <a:extLst>
+              <a:ext uri="{FF2B5EF4-FFF2-40B4-BE49-F238E27FC236}">
+                <a16:creationId xmlns:a16="http://schemas.microsoft.com/office/drawing/2014/main" id="{C7B07E47-A51E-4735-AB76-F602FE9BDAB3}"/>
+              </a:ext>
+            </a:extLst>
+          </p:cNvPr>
+          <p:cNvCxnSpPr>
+            <a:cxnSpLocks/>
+            <a:stCxn id="5" idx="2"/>
+            <a:endCxn id="6" idx="1"/>
+          </p:cNvCxnSpPr>
+          <p:nvPr/>
+        </p:nvCxnSpPr>
+        <p:spPr>
+          <a:xfrm>
+            <a:off x="1983408" y="3746242"/>
+            <a:ext cx="3090475" cy="1199397"/>
+          </a:xfrm>
+          <a:prstGeom prst="line">
+            <a:avLst/>
+          </a:prstGeom>
+        </p:spPr>
+        <p:style>
+          <a:lnRef idx="1">
+            <a:schemeClr val="accent1"/>
+          </a:lnRef>
+          <a:fillRef idx="0">
+            <a:schemeClr val="accent1"/>
+          </a:fillRef>
+          <a:effectRef idx="0">
+            <a:schemeClr val="accent1"/>
+          </a:effectRef>
+          <a:fontRef idx="minor">
+            <a:schemeClr val="tx1"/>
+          </a:fontRef>
+        </p:style>
+      </p:cxnSp>
+      <p:sp>
+        <p:nvSpPr>
+          <p:cNvPr id="25" name="Rectangle 24">
+            <a:extLst>
+              <a:ext uri="{FF2B5EF4-FFF2-40B4-BE49-F238E27FC236}">
+                <a16:creationId xmlns:a16="http://schemas.microsoft.com/office/drawing/2014/main" id="{7C5186B2-47F7-4308-8269-0144343353B0}"/>
+              </a:ext>
+            </a:extLst>
+          </p:cNvPr>
+          <p:cNvSpPr/>
+          <p:nvPr/>
+        </p:nvSpPr>
+        <p:spPr>
+          <a:xfrm>
+            <a:off x="5641517" y="2792085"/>
+            <a:ext cx="265044" cy="424070"/>
+          </a:xfrm>
+          <a:prstGeom prst="rect">
+            <a:avLst/>
+          </a:prstGeom>
+          <a:noFill/>
+          <a:ln>
+            <a:noFill/>
+          </a:ln>
+        </p:spPr>
+        <p:style>
+          <a:lnRef idx="2">
+            <a:schemeClr val="accent1">
+              <a:shade val="50000"/>
+            </a:schemeClr>
+          </a:lnRef>
+          <a:fillRef idx="1">
+            <a:schemeClr val="accent1"/>
+          </a:fillRef>
+          <a:effectRef idx="0">
+            <a:schemeClr val="accent1"/>
+          </a:effectRef>
+          <a:fontRef idx="minor">
+            <a:schemeClr val="lt1"/>
+          </a:fontRef>
+        </p:style>
+        <p:txBody>
+          <a:bodyPr rtlCol="0" anchor="ctr"/>
+          <a:lstStyle/>
+          <a:p>
+            <a:pPr algn="ctr"/>
+            <a:r>
+              <a:rPr lang="en-US" dirty="0">
+                <a:solidFill>
+                  <a:srgbClr val="FF0000"/>
+                </a:solidFill>
+              </a:rPr>
+              <a:t>1</a:t>
+            </a:r>
+          </a:p>
+        </p:txBody>
+      </p:sp>
+      <p:sp>
+        <p:nvSpPr>
+          <p:cNvPr id="26" name="Rectangle 25">
+            <a:extLst>
+              <a:ext uri="{FF2B5EF4-FFF2-40B4-BE49-F238E27FC236}">
+                <a16:creationId xmlns:a16="http://schemas.microsoft.com/office/drawing/2014/main" id="{3068D70A-156E-46EB-ADA3-78A55F9C786A}"/>
+              </a:ext>
+            </a:extLst>
+          </p:cNvPr>
+          <p:cNvSpPr/>
+          <p:nvPr/>
+        </p:nvSpPr>
+        <p:spPr>
+          <a:xfrm>
+            <a:off x="5648143" y="3994447"/>
+            <a:ext cx="265044" cy="424070"/>
+          </a:xfrm>
+          <a:prstGeom prst="rect">
+            <a:avLst/>
+          </a:prstGeom>
+          <a:noFill/>
+          <a:ln>
+            <a:noFill/>
+          </a:ln>
+        </p:spPr>
+        <p:style>
+          <a:lnRef idx="2">
+            <a:schemeClr val="accent1">
+              <a:shade val="50000"/>
+            </a:schemeClr>
+          </a:lnRef>
+          <a:fillRef idx="1">
+            <a:schemeClr val="accent1"/>
+          </a:fillRef>
+          <a:effectRef idx="0">
+            <a:schemeClr val="accent1"/>
+          </a:effectRef>
+          <a:fontRef idx="minor">
+            <a:schemeClr val="lt1"/>
+          </a:fontRef>
+        </p:style>
+        <p:txBody>
+          <a:bodyPr rtlCol="0" anchor="ctr"/>
+          <a:lstStyle/>
+          <a:p>
+            <a:pPr algn="ctr"/>
+            <a:r>
+              <a:rPr lang="en-US" dirty="0">
+                <a:solidFill>
+                  <a:srgbClr val="FF0000"/>
+                </a:solidFill>
+              </a:rPr>
+              <a:t>*</a:t>
+            </a:r>
+          </a:p>
+        </p:txBody>
+      </p:sp>
+    </p:spTree>
+    <p:extLst>
+      <p:ext uri="{BB962C8B-B14F-4D97-AF65-F5344CB8AC3E}">
+        <p14:creationId xmlns:p14="http://schemas.microsoft.com/office/powerpoint/2010/main" val="3242384521"/>
       </p:ext>
     </p:extLst>
   </p:cSld>

--- a/docs/ER-DIAGRAM.pptx
+++ b/docs/ER-DIAGRAM.pptx
@@ -7,6 +7,7 @@
   <p:sldIdLst>
     <p:sldId id="256" r:id="rId2"/>
     <p:sldId id="258" r:id="rId3"/>
+    <p:sldId id="259" r:id="rId4"/>
   </p:sldIdLst>
   <p:sldSz cx="12192000" cy="6858000"/>
   <p:notesSz cx="6858000" cy="9144000"/>
@@ -155,10 +156,9 @@
           </a:lstStyle>
           <a:p>
             <a:r>
-              <a:rPr lang="en-US" smtClean="0"/>
+              <a:rPr lang="en-US"/>
               <a:t>Click to edit Master title style</a:t>
             </a:r>
-            <a:endParaRPr lang="en-US"/>
           </a:p>
         </p:txBody>
       </p:sp>
@@ -220,10 +220,9 @@
           </a:lstStyle>
           <a:p>
             <a:r>
-              <a:rPr lang="en-US" smtClean="0"/>
+              <a:rPr lang="en-US"/>
               <a:t>Click to edit Master subtitle style</a:t>
             </a:r>
-            <a:endParaRPr lang="en-US"/>
           </a:p>
         </p:txBody>
       </p:sp>
@@ -244,7 +243,7 @@
           <a:p>
             <a:fld id="{28BE630F-C39C-4DB9-8258-0B48CA067079}" type="datetimeFigureOut">
               <a:rPr lang="en-US" smtClean="0"/>
-              <a:t>11/25/2021</a:t>
+              <a:t>11/27/2021</a:t>
             </a:fld>
             <a:endParaRPr lang="en-US"/>
           </a:p>
@@ -338,10 +337,9 @@
           <a:lstStyle/>
           <a:p>
             <a:r>
-              <a:rPr lang="en-US" smtClean="0"/>
+              <a:rPr lang="en-US"/>
               <a:t>Click to edit Master title style</a:t>
             </a:r>
-            <a:endParaRPr lang="en-US"/>
           </a:p>
         </p:txBody>
       </p:sp>
@@ -362,38 +360,37 @@
           <a:p>
             <a:pPr lvl="0"/>
             <a:r>
-              <a:rPr lang="en-US" smtClean="0"/>
+              <a:rPr lang="en-US"/>
               <a:t>Click to edit Master text styles</a:t>
             </a:r>
           </a:p>
           <a:p>
             <a:pPr lvl="1"/>
             <a:r>
-              <a:rPr lang="en-US" smtClean="0"/>
+              <a:rPr lang="en-US"/>
               <a:t>Second level</a:t>
             </a:r>
           </a:p>
           <a:p>
             <a:pPr lvl="2"/>
             <a:r>
-              <a:rPr lang="en-US" smtClean="0"/>
+              <a:rPr lang="en-US"/>
               <a:t>Third level</a:t>
             </a:r>
           </a:p>
           <a:p>
             <a:pPr lvl="3"/>
             <a:r>
-              <a:rPr lang="en-US" smtClean="0"/>
+              <a:rPr lang="en-US"/>
               <a:t>Fourth level</a:t>
             </a:r>
           </a:p>
           <a:p>
             <a:pPr lvl="4"/>
             <a:r>
-              <a:rPr lang="en-US" smtClean="0"/>
+              <a:rPr lang="en-US"/>
               <a:t>Fifth level</a:t>
             </a:r>
-            <a:endParaRPr lang="en-US"/>
           </a:p>
         </p:txBody>
       </p:sp>
@@ -414,7 +411,7 @@
           <a:p>
             <a:fld id="{28BE630F-C39C-4DB9-8258-0B48CA067079}" type="datetimeFigureOut">
               <a:rPr lang="en-US" smtClean="0"/>
-              <a:t>11/25/2021</a:t>
+              <a:t>11/27/2021</a:t>
             </a:fld>
             <a:endParaRPr lang="en-US"/>
           </a:p>
@@ -513,10 +510,9 @@
           <a:lstStyle/>
           <a:p>
             <a:r>
-              <a:rPr lang="en-US" smtClean="0"/>
+              <a:rPr lang="en-US"/>
               <a:t>Click to edit Master title style</a:t>
             </a:r>
-            <a:endParaRPr lang="en-US"/>
           </a:p>
         </p:txBody>
       </p:sp>
@@ -542,38 +538,37 @@
           <a:p>
             <a:pPr lvl="0"/>
             <a:r>
-              <a:rPr lang="en-US" smtClean="0"/>
+              <a:rPr lang="en-US"/>
               <a:t>Click to edit Master text styles</a:t>
             </a:r>
           </a:p>
           <a:p>
             <a:pPr lvl="1"/>
             <a:r>
-              <a:rPr lang="en-US" smtClean="0"/>
+              <a:rPr lang="en-US"/>
               <a:t>Second level</a:t>
             </a:r>
           </a:p>
           <a:p>
             <a:pPr lvl="2"/>
             <a:r>
-              <a:rPr lang="en-US" smtClean="0"/>
+              <a:rPr lang="en-US"/>
               <a:t>Third level</a:t>
             </a:r>
           </a:p>
           <a:p>
             <a:pPr lvl="3"/>
             <a:r>
-              <a:rPr lang="en-US" smtClean="0"/>
+              <a:rPr lang="en-US"/>
               <a:t>Fourth level</a:t>
             </a:r>
           </a:p>
           <a:p>
             <a:pPr lvl="4"/>
             <a:r>
-              <a:rPr lang="en-US" smtClean="0"/>
+              <a:rPr lang="en-US"/>
               <a:t>Fifth level</a:t>
             </a:r>
-            <a:endParaRPr lang="en-US"/>
           </a:p>
         </p:txBody>
       </p:sp>
@@ -594,7 +589,7 @@
           <a:p>
             <a:fld id="{28BE630F-C39C-4DB9-8258-0B48CA067079}" type="datetimeFigureOut">
               <a:rPr lang="en-US" smtClean="0"/>
-              <a:t>11/25/2021</a:t>
+              <a:t>11/27/2021</a:t>
             </a:fld>
             <a:endParaRPr lang="en-US"/>
           </a:p>
@@ -688,10 +683,9 @@
           <a:lstStyle/>
           <a:p>
             <a:r>
-              <a:rPr lang="en-US" smtClean="0"/>
+              <a:rPr lang="en-US"/>
               <a:t>Click to edit Master title style</a:t>
             </a:r>
-            <a:endParaRPr lang="en-US"/>
           </a:p>
         </p:txBody>
       </p:sp>
@@ -712,38 +706,37 @@
           <a:p>
             <a:pPr lvl="0"/>
             <a:r>
-              <a:rPr lang="en-US" smtClean="0"/>
+              <a:rPr lang="en-US"/>
               <a:t>Click to edit Master text styles</a:t>
             </a:r>
           </a:p>
           <a:p>
             <a:pPr lvl="1"/>
             <a:r>
-              <a:rPr lang="en-US" smtClean="0"/>
+              <a:rPr lang="en-US"/>
               <a:t>Second level</a:t>
             </a:r>
           </a:p>
           <a:p>
             <a:pPr lvl="2"/>
             <a:r>
-              <a:rPr lang="en-US" smtClean="0"/>
+              <a:rPr lang="en-US"/>
               <a:t>Third level</a:t>
             </a:r>
           </a:p>
           <a:p>
             <a:pPr lvl="3"/>
             <a:r>
-              <a:rPr lang="en-US" smtClean="0"/>
+              <a:rPr lang="en-US"/>
               <a:t>Fourth level</a:t>
             </a:r>
           </a:p>
           <a:p>
             <a:pPr lvl="4"/>
             <a:r>
-              <a:rPr lang="en-US" smtClean="0"/>
+              <a:rPr lang="en-US"/>
               <a:t>Fifth level</a:t>
             </a:r>
-            <a:endParaRPr lang="en-US"/>
           </a:p>
         </p:txBody>
       </p:sp>
@@ -764,7 +757,7 @@
           <a:p>
             <a:fld id="{28BE630F-C39C-4DB9-8258-0B48CA067079}" type="datetimeFigureOut">
               <a:rPr lang="en-US" smtClean="0"/>
-              <a:t>11/25/2021</a:t>
+              <a:t>11/27/2021</a:t>
             </a:fld>
             <a:endParaRPr lang="en-US"/>
           </a:p>
@@ -867,10 +860,9 @@
           </a:lstStyle>
           <a:p>
             <a:r>
-              <a:rPr lang="en-US" smtClean="0"/>
+              <a:rPr lang="en-US"/>
               <a:t>Click to edit Master title style</a:t>
             </a:r>
-            <a:endParaRPr lang="en-US"/>
           </a:p>
         </p:txBody>
       </p:sp>
@@ -987,7 +979,7 @@
           <a:p>
             <a:pPr lvl="0"/>
             <a:r>
-              <a:rPr lang="en-US" smtClean="0"/>
+              <a:rPr lang="en-US"/>
               <a:t>Click to edit Master text styles</a:t>
             </a:r>
           </a:p>
@@ -1010,7 +1002,7 @@
           <a:p>
             <a:fld id="{28BE630F-C39C-4DB9-8258-0B48CA067079}" type="datetimeFigureOut">
               <a:rPr lang="en-US" smtClean="0"/>
-              <a:t>11/25/2021</a:t>
+              <a:t>11/27/2021</a:t>
             </a:fld>
             <a:endParaRPr lang="en-US"/>
           </a:p>
@@ -1104,10 +1096,9 @@
           <a:lstStyle/>
           <a:p>
             <a:r>
-              <a:rPr lang="en-US" smtClean="0"/>
+              <a:rPr lang="en-US"/>
               <a:t>Click to edit Master title style</a:t>
             </a:r>
-            <a:endParaRPr lang="en-US"/>
           </a:p>
         </p:txBody>
       </p:sp>
@@ -1133,38 +1124,37 @@
           <a:p>
             <a:pPr lvl="0"/>
             <a:r>
-              <a:rPr lang="en-US" smtClean="0"/>
+              <a:rPr lang="en-US"/>
               <a:t>Click to edit Master text styles</a:t>
             </a:r>
           </a:p>
           <a:p>
             <a:pPr lvl="1"/>
             <a:r>
-              <a:rPr lang="en-US" smtClean="0"/>
+              <a:rPr lang="en-US"/>
               <a:t>Second level</a:t>
             </a:r>
           </a:p>
           <a:p>
             <a:pPr lvl="2"/>
             <a:r>
-              <a:rPr lang="en-US" smtClean="0"/>
+              <a:rPr lang="en-US"/>
               <a:t>Third level</a:t>
             </a:r>
           </a:p>
           <a:p>
             <a:pPr lvl="3"/>
             <a:r>
-              <a:rPr lang="en-US" smtClean="0"/>
+              <a:rPr lang="en-US"/>
               <a:t>Fourth level</a:t>
             </a:r>
           </a:p>
           <a:p>
             <a:pPr lvl="4"/>
             <a:r>
-              <a:rPr lang="en-US" smtClean="0"/>
+              <a:rPr lang="en-US"/>
               <a:t>Fifth level</a:t>
             </a:r>
-            <a:endParaRPr lang="en-US"/>
           </a:p>
         </p:txBody>
       </p:sp>
@@ -1190,38 +1180,37 @@
           <a:p>
             <a:pPr lvl="0"/>
             <a:r>
-              <a:rPr lang="en-US" smtClean="0"/>
+              <a:rPr lang="en-US"/>
               <a:t>Click to edit Master text styles</a:t>
             </a:r>
           </a:p>
           <a:p>
             <a:pPr lvl="1"/>
             <a:r>
-              <a:rPr lang="en-US" smtClean="0"/>
+              <a:rPr lang="en-US"/>
               <a:t>Second level</a:t>
             </a:r>
           </a:p>
           <a:p>
             <a:pPr lvl="2"/>
             <a:r>
-              <a:rPr lang="en-US" smtClean="0"/>
+              <a:rPr lang="en-US"/>
               <a:t>Third level</a:t>
             </a:r>
           </a:p>
           <a:p>
             <a:pPr lvl="3"/>
             <a:r>
-              <a:rPr lang="en-US" smtClean="0"/>
+              <a:rPr lang="en-US"/>
               <a:t>Fourth level</a:t>
             </a:r>
           </a:p>
           <a:p>
             <a:pPr lvl="4"/>
             <a:r>
-              <a:rPr lang="en-US" smtClean="0"/>
+              <a:rPr lang="en-US"/>
               <a:t>Fifth level</a:t>
             </a:r>
-            <a:endParaRPr lang="en-US"/>
           </a:p>
         </p:txBody>
       </p:sp>
@@ -1242,7 +1231,7 @@
           <a:p>
             <a:fld id="{28BE630F-C39C-4DB9-8258-0B48CA067079}" type="datetimeFigureOut">
               <a:rPr lang="en-US" smtClean="0"/>
-              <a:t>11/25/2021</a:t>
+              <a:t>11/27/2021</a:t>
             </a:fld>
             <a:endParaRPr lang="en-US"/>
           </a:p>
@@ -1341,10 +1330,9 @@
           <a:lstStyle/>
           <a:p>
             <a:r>
-              <a:rPr lang="en-US" smtClean="0"/>
+              <a:rPr lang="en-US"/>
               <a:t>Click to edit Master title style</a:t>
             </a:r>
-            <a:endParaRPr lang="en-US"/>
           </a:p>
         </p:txBody>
       </p:sp>
@@ -1407,7 +1395,7 @@
           <a:p>
             <a:pPr lvl="0"/>
             <a:r>
-              <a:rPr lang="en-US" smtClean="0"/>
+              <a:rPr lang="en-US"/>
               <a:t>Click to edit Master text styles</a:t>
             </a:r>
           </a:p>
@@ -1435,38 +1423,37 @@
           <a:p>
             <a:pPr lvl="0"/>
             <a:r>
-              <a:rPr lang="en-US" smtClean="0"/>
+              <a:rPr lang="en-US"/>
               <a:t>Click to edit Master text styles</a:t>
             </a:r>
           </a:p>
           <a:p>
             <a:pPr lvl="1"/>
             <a:r>
-              <a:rPr lang="en-US" smtClean="0"/>
+              <a:rPr lang="en-US"/>
               <a:t>Second level</a:t>
             </a:r>
           </a:p>
           <a:p>
             <a:pPr lvl="2"/>
             <a:r>
-              <a:rPr lang="en-US" smtClean="0"/>
+              <a:rPr lang="en-US"/>
               <a:t>Third level</a:t>
             </a:r>
           </a:p>
           <a:p>
             <a:pPr lvl="3"/>
             <a:r>
-              <a:rPr lang="en-US" smtClean="0"/>
+              <a:rPr lang="en-US"/>
               <a:t>Fourth level</a:t>
             </a:r>
           </a:p>
           <a:p>
             <a:pPr lvl="4"/>
             <a:r>
-              <a:rPr lang="en-US" smtClean="0"/>
+              <a:rPr lang="en-US"/>
               <a:t>Fifth level</a:t>
             </a:r>
-            <a:endParaRPr lang="en-US"/>
           </a:p>
         </p:txBody>
       </p:sp>
@@ -1529,7 +1516,7 @@
           <a:p>
             <a:pPr lvl="0"/>
             <a:r>
-              <a:rPr lang="en-US" smtClean="0"/>
+              <a:rPr lang="en-US"/>
               <a:t>Click to edit Master text styles</a:t>
             </a:r>
           </a:p>
@@ -1557,38 +1544,37 @@
           <a:p>
             <a:pPr lvl="0"/>
             <a:r>
-              <a:rPr lang="en-US" smtClean="0"/>
+              <a:rPr lang="en-US"/>
               <a:t>Click to edit Master text styles</a:t>
             </a:r>
           </a:p>
           <a:p>
             <a:pPr lvl="1"/>
             <a:r>
-              <a:rPr lang="en-US" smtClean="0"/>
+              <a:rPr lang="en-US"/>
               <a:t>Second level</a:t>
             </a:r>
           </a:p>
           <a:p>
             <a:pPr lvl="2"/>
             <a:r>
-              <a:rPr lang="en-US" smtClean="0"/>
+              <a:rPr lang="en-US"/>
               <a:t>Third level</a:t>
             </a:r>
           </a:p>
           <a:p>
             <a:pPr lvl="3"/>
             <a:r>
-              <a:rPr lang="en-US" smtClean="0"/>
+              <a:rPr lang="en-US"/>
               <a:t>Fourth level</a:t>
             </a:r>
           </a:p>
           <a:p>
             <a:pPr lvl="4"/>
             <a:r>
-              <a:rPr lang="en-US" smtClean="0"/>
+              <a:rPr lang="en-US"/>
               <a:t>Fifth level</a:t>
             </a:r>
-            <a:endParaRPr lang="en-US"/>
           </a:p>
         </p:txBody>
       </p:sp>
@@ -1609,7 +1595,7 @@
           <a:p>
             <a:fld id="{28BE630F-C39C-4DB9-8258-0B48CA067079}" type="datetimeFigureOut">
               <a:rPr lang="en-US" smtClean="0"/>
-              <a:t>11/25/2021</a:t>
+              <a:t>11/27/2021</a:t>
             </a:fld>
             <a:endParaRPr lang="en-US"/>
           </a:p>
@@ -1703,10 +1689,9 @@
           <a:lstStyle/>
           <a:p>
             <a:r>
-              <a:rPr lang="en-US" smtClean="0"/>
+              <a:rPr lang="en-US"/>
               <a:t>Click to edit Master title style</a:t>
             </a:r>
-            <a:endParaRPr lang="en-US"/>
           </a:p>
         </p:txBody>
       </p:sp>
@@ -1727,7 +1712,7 @@
           <a:p>
             <a:fld id="{28BE630F-C39C-4DB9-8258-0B48CA067079}" type="datetimeFigureOut">
               <a:rPr lang="en-US" smtClean="0"/>
-              <a:t>11/25/2021</a:t>
+              <a:t>11/27/2021</a:t>
             </a:fld>
             <a:endParaRPr lang="en-US"/>
           </a:p>
@@ -1822,7 +1807,7 @@
           <a:p>
             <a:fld id="{28BE630F-C39C-4DB9-8258-0B48CA067079}" type="datetimeFigureOut">
               <a:rPr lang="en-US" smtClean="0"/>
-              <a:t>11/25/2021</a:t>
+              <a:t>11/27/2021</a:t>
             </a:fld>
             <a:endParaRPr lang="en-US"/>
           </a:p>
@@ -1925,10 +1910,9 @@
           </a:lstStyle>
           <a:p>
             <a:r>
-              <a:rPr lang="en-US" smtClean="0"/>
+              <a:rPr lang="en-US"/>
               <a:t>Click to edit Master title style</a:t>
             </a:r>
-            <a:endParaRPr lang="en-US"/>
           </a:p>
         </p:txBody>
       </p:sp>
@@ -1982,38 +1966,37 @@
           <a:p>
             <a:pPr lvl="0"/>
             <a:r>
-              <a:rPr lang="en-US" smtClean="0"/>
+              <a:rPr lang="en-US"/>
               <a:t>Click to edit Master text styles</a:t>
             </a:r>
           </a:p>
           <a:p>
             <a:pPr lvl="1"/>
             <a:r>
-              <a:rPr lang="en-US" smtClean="0"/>
+              <a:rPr lang="en-US"/>
               <a:t>Second level</a:t>
             </a:r>
           </a:p>
           <a:p>
             <a:pPr lvl="2"/>
             <a:r>
-              <a:rPr lang="en-US" smtClean="0"/>
+              <a:rPr lang="en-US"/>
               <a:t>Third level</a:t>
             </a:r>
           </a:p>
           <a:p>
             <a:pPr lvl="3"/>
             <a:r>
-              <a:rPr lang="en-US" smtClean="0"/>
+              <a:rPr lang="en-US"/>
               <a:t>Fourth level</a:t>
             </a:r>
           </a:p>
           <a:p>
             <a:pPr lvl="4"/>
             <a:r>
-              <a:rPr lang="en-US" smtClean="0"/>
+              <a:rPr lang="en-US"/>
               <a:t>Fifth level</a:t>
             </a:r>
-            <a:endParaRPr lang="en-US"/>
           </a:p>
         </p:txBody>
       </p:sp>
@@ -2076,7 +2059,7 @@
           <a:p>
             <a:pPr lvl="0"/>
             <a:r>
-              <a:rPr lang="en-US" smtClean="0"/>
+              <a:rPr lang="en-US"/>
               <a:t>Click to edit Master text styles</a:t>
             </a:r>
           </a:p>
@@ -2099,7 +2082,7 @@
           <a:p>
             <a:fld id="{28BE630F-C39C-4DB9-8258-0B48CA067079}" type="datetimeFigureOut">
               <a:rPr lang="en-US" smtClean="0"/>
-              <a:t>11/25/2021</a:t>
+              <a:t>11/27/2021</a:t>
             </a:fld>
             <a:endParaRPr lang="en-US"/>
           </a:p>
@@ -2202,10 +2185,9 @@
           </a:lstStyle>
           <a:p>
             <a:r>
-              <a:rPr lang="en-US" smtClean="0"/>
+              <a:rPr lang="en-US"/>
               <a:t>Click to edit Master title style</a:t>
             </a:r>
-            <a:endParaRPr lang="en-US"/>
           </a:p>
         </p:txBody>
       </p:sp>
@@ -2329,7 +2311,7 @@
           <a:p>
             <a:pPr lvl="0"/>
             <a:r>
-              <a:rPr lang="en-US" smtClean="0"/>
+              <a:rPr lang="en-US"/>
               <a:t>Click to edit Master text styles</a:t>
             </a:r>
           </a:p>
@@ -2352,7 +2334,7 @@
           <a:p>
             <a:fld id="{28BE630F-C39C-4DB9-8258-0B48CA067079}" type="datetimeFigureOut">
               <a:rPr lang="en-US" smtClean="0"/>
-              <a:t>11/25/2021</a:t>
+              <a:t>11/27/2021</a:t>
             </a:fld>
             <a:endParaRPr lang="en-US"/>
           </a:p>
@@ -2461,10 +2443,9 @@
           <a:lstStyle/>
           <a:p>
             <a:r>
-              <a:rPr lang="en-US" smtClean="0"/>
+              <a:rPr lang="en-US"/>
               <a:t>Click to edit Master title style</a:t>
             </a:r>
-            <a:endParaRPr lang="en-US"/>
           </a:p>
         </p:txBody>
       </p:sp>
@@ -2495,38 +2476,37 @@
           <a:p>
             <a:pPr lvl="0"/>
             <a:r>
-              <a:rPr lang="en-US" smtClean="0"/>
+              <a:rPr lang="en-US"/>
               <a:t>Click to edit Master text styles</a:t>
             </a:r>
           </a:p>
           <a:p>
             <a:pPr lvl="1"/>
             <a:r>
-              <a:rPr lang="en-US" smtClean="0"/>
+              <a:rPr lang="en-US"/>
               <a:t>Second level</a:t>
             </a:r>
           </a:p>
           <a:p>
             <a:pPr lvl="2"/>
             <a:r>
-              <a:rPr lang="en-US" smtClean="0"/>
+              <a:rPr lang="en-US"/>
               <a:t>Third level</a:t>
             </a:r>
           </a:p>
           <a:p>
             <a:pPr lvl="3"/>
             <a:r>
-              <a:rPr lang="en-US" smtClean="0"/>
+              <a:rPr lang="en-US"/>
               <a:t>Fourth level</a:t>
             </a:r>
           </a:p>
           <a:p>
             <a:pPr lvl="4"/>
             <a:r>
-              <a:rPr lang="en-US" smtClean="0"/>
+              <a:rPr lang="en-US"/>
               <a:t>Fifth level</a:t>
             </a:r>
-            <a:endParaRPr lang="en-US"/>
           </a:p>
         </p:txBody>
       </p:sp>
@@ -2565,7 +2545,7 @@
           <a:p>
             <a:fld id="{28BE630F-C39C-4DB9-8258-0B48CA067079}" type="datetimeFigureOut">
               <a:rPr lang="en-US" smtClean="0"/>
-              <a:t>11/25/2021</a:t>
+              <a:t>11/27/2021</a:t>
             </a:fld>
             <a:endParaRPr lang="en-US"/>
           </a:p>
@@ -3004,12 +2984,8 @@
           </a:lstStyle>
           <a:p>
             <a:r>
-              <a:rPr lang="en-US" dirty="0" smtClean="0"/>
-              <a:t>ER DIAGRAMM </a:t>
-            </a:r>
-            <a:r>
               <a:rPr lang="en-US" dirty="0"/>
-              <a:t>TEMPLATE</a:t>
+              <a:t>ER DIAGRAMM TEMPLATE</a:t>
             </a:r>
           </a:p>
         </p:txBody>
@@ -3290,10 +3266,9 @@
           <a:lstStyle/>
           <a:p>
             <a:r>
-              <a:rPr lang="en-US" b="1" dirty="0" smtClean="0"/>
+              <a:rPr lang="en-US" b="1" dirty="0"/>
               <a:t>class</a:t>
             </a:r>
-            <a:endParaRPr lang="en-US" b="1" dirty="0"/>
           </a:p>
         </p:txBody>
       </p:sp>
@@ -3358,10 +3333,9 @@
           <a:lstStyle/>
           <a:p>
             <a:r>
-              <a:rPr lang="en-US" b="1" dirty="0" smtClean="0"/>
+              <a:rPr lang="en-US" b="1" dirty="0"/>
               <a:t>student</a:t>
             </a:r>
-            <a:endParaRPr lang="en-US" b="1" dirty="0"/>
           </a:p>
         </p:txBody>
       </p:sp>
@@ -3426,10 +3400,9 @@
           <a:lstStyle/>
           <a:p>
             <a:r>
-              <a:rPr lang="en-US" b="1" dirty="0" smtClean="0"/>
+              <a:rPr lang="en-US" b="1" dirty="0"/>
               <a:t>exam_score</a:t>
             </a:r>
-            <a:endParaRPr lang="en-US" b="1" dirty="0"/>
           </a:p>
         </p:txBody>
       </p:sp>
@@ -3494,10 +3467,9 @@
           <a:lstStyle/>
           <a:p>
             <a:r>
-              <a:rPr lang="en-US" b="1" dirty="0" smtClean="0"/>
+              <a:rPr lang="en-US" b="1" dirty="0"/>
               <a:t>exam_type</a:t>
             </a:r>
-            <a:endParaRPr lang="en-US" b="1" dirty="0"/>
           </a:p>
         </p:txBody>
       </p:sp>
@@ -3562,10 +3534,9 @@
           <a:lstStyle/>
           <a:p>
             <a:r>
-              <a:rPr lang="en-US" b="1" dirty="0" smtClean="0"/>
+              <a:rPr lang="en-US" b="1" dirty="0"/>
               <a:t>topic</a:t>
             </a:r>
-            <a:endParaRPr lang="en-US" b="1" dirty="0"/>
           </a:p>
         </p:txBody>
       </p:sp>
@@ -3630,10 +3601,9 @@
           <a:lstStyle/>
           <a:p>
             <a:r>
-              <a:rPr lang="en-US" b="1" dirty="0" smtClean="0"/>
+              <a:rPr lang="en-US" b="1" dirty="0"/>
               <a:t>batch</a:t>
             </a:r>
-            <a:endParaRPr lang="en-US" b="1" dirty="0"/>
           </a:p>
         </p:txBody>
       </p:sp>
@@ -4053,10 +4023,9 @@
           <a:lstStyle/>
           <a:p>
             <a:r>
-              <a:rPr lang="en-US" dirty="0" smtClean="0"/>
+              <a:rPr lang="en-US" dirty="0"/>
               <a:t>first_name</a:t>
             </a:r>
-            <a:endParaRPr lang="en-US" dirty="0"/>
           </a:p>
         </p:txBody>
       </p:sp>
@@ -4083,10 +4052,9 @@
           <a:lstStyle/>
           <a:p>
             <a:r>
-              <a:rPr lang="en-US" dirty="0" smtClean="0"/>
+              <a:rPr lang="en-US" dirty="0"/>
               <a:t>last_name</a:t>
             </a:r>
-            <a:endParaRPr lang="en-US" dirty="0"/>
           </a:p>
         </p:txBody>
       </p:sp>
@@ -4113,10 +4081,9 @@
           <a:lstStyle/>
           <a:p>
             <a:r>
-              <a:rPr lang="en-US" dirty="0" smtClean="0"/>
+              <a:rPr lang="en-US" dirty="0"/>
               <a:t>score</a:t>
             </a:r>
-            <a:endParaRPr lang="en-US" dirty="0"/>
           </a:p>
         </p:txBody>
       </p:sp>
@@ -4143,10 +4110,9 @@
           <a:lstStyle/>
           <a:p>
             <a:r>
-              <a:rPr lang="en-US" dirty="0" smtClean="0"/>
+              <a:rPr lang="en-US" dirty="0"/>
               <a:t>title</a:t>
             </a:r>
-            <a:endParaRPr lang="en-US" dirty="0"/>
           </a:p>
         </p:txBody>
       </p:sp>
@@ -4173,10 +4139,9 @@
           <a:lstStyle/>
           <a:p>
             <a:r>
-              <a:rPr lang="en-US" b="1" dirty="0" smtClean="0"/>
+              <a:rPr lang="en-US" b="1" dirty="0"/>
               <a:t>id</a:t>
             </a:r>
-            <a:endParaRPr lang="en-US" b="1" dirty="0"/>
           </a:p>
         </p:txBody>
       </p:sp>
@@ -4203,10 +4168,9 @@
           <a:lstStyle/>
           <a:p>
             <a:r>
-              <a:rPr lang="en-US" b="1" dirty="0" smtClean="0"/>
+              <a:rPr lang="en-US" b="1" dirty="0"/>
               <a:t>id</a:t>
             </a:r>
-            <a:endParaRPr lang="en-US" b="1" dirty="0"/>
           </a:p>
         </p:txBody>
       </p:sp>
@@ -4233,10 +4197,9 @@
           <a:lstStyle/>
           <a:p>
             <a:r>
-              <a:rPr lang="en-US" b="1" dirty="0" smtClean="0"/>
+              <a:rPr lang="en-US" b="1" dirty="0"/>
               <a:t>id</a:t>
             </a:r>
-            <a:endParaRPr lang="en-US" b="1" dirty="0"/>
           </a:p>
         </p:txBody>
       </p:sp>
@@ -4263,10 +4226,9 @@
           <a:lstStyle/>
           <a:p>
             <a:r>
-              <a:rPr lang="en-US" b="1" dirty="0" smtClean="0"/>
+              <a:rPr lang="en-US" b="1" dirty="0"/>
               <a:t>id</a:t>
             </a:r>
-            <a:endParaRPr lang="en-US" b="1" dirty="0"/>
           </a:p>
         </p:txBody>
       </p:sp>
@@ -4293,10 +4255,9 @@
           <a:lstStyle/>
           <a:p>
             <a:r>
-              <a:rPr lang="en-US" dirty="0" smtClean="0"/>
+              <a:rPr lang="en-US" dirty="0"/>
               <a:t>name</a:t>
             </a:r>
-            <a:endParaRPr lang="en-US" dirty="0"/>
           </a:p>
         </p:txBody>
       </p:sp>
@@ -4323,10 +4284,9 @@
           <a:lstStyle/>
           <a:p>
             <a:r>
-              <a:rPr lang="en-US" dirty="0" smtClean="0"/>
+              <a:rPr lang="en-US" dirty="0"/>
               <a:t>title</a:t>
             </a:r>
-            <a:endParaRPr lang="en-US" dirty="0"/>
           </a:p>
         </p:txBody>
       </p:sp>
@@ -4353,10 +4313,9 @@
           <a:lstStyle/>
           <a:p>
             <a:r>
-              <a:rPr lang="en-US" b="1" dirty="0" smtClean="0"/>
+              <a:rPr lang="en-US" b="1" dirty="0"/>
               <a:t>id</a:t>
             </a:r>
-            <a:endParaRPr lang="en-US" b="1" dirty="0"/>
           </a:p>
         </p:txBody>
       </p:sp>
@@ -4383,10 +4342,9 @@
           <a:lstStyle/>
           <a:p>
             <a:r>
-              <a:rPr lang="en-US" dirty="0" smtClean="0"/>
+              <a:rPr lang="en-US" dirty="0"/>
               <a:t>sex</a:t>
             </a:r>
-            <a:endParaRPr lang="en-US" dirty="0"/>
           </a:p>
         </p:txBody>
       </p:sp>
@@ -4413,10 +4371,9 @@
           <a:lstStyle/>
           <a:p>
             <a:r>
-              <a:rPr lang="en-US" b="1" dirty="0" smtClean="0"/>
+              <a:rPr lang="en-US" b="1" dirty="0"/>
               <a:t>id</a:t>
             </a:r>
-            <a:endParaRPr lang="en-US" b="1" dirty="0"/>
           </a:p>
         </p:txBody>
       </p:sp>
@@ -4443,7 +4400,7 @@
           <a:lstStyle/>
           <a:p>
             <a:r>
-              <a:rPr lang="en-US" smtClean="0"/>
+              <a:rPr lang="en-US"/>
               <a:t>name</a:t>
             </a:r>
             <a:endParaRPr lang="en-US" dirty="0"/>
@@ -4473,18 +4430,13 @@
           <a:lstStyle/>
           <a:p>
             <a:r>
-              <a:rPr lang="en-US" dirty="0" smtClean="0">
+              <a:rPr lang="en-US" dirty="0">
                 <a:solidFill>
                   <a:schemeClr val="accent1"/>
                 </a:solidFill>
               </a:rPr>
               <a:t>1</a:t>
             </a:r>
-            <a:endParaRPr lang="en-US" dirty="0">
-              <a:solidFill>
-                <a:schemeClr val="accent1"/>
-              </a:solidFill>
-            </a:endParaRPr>
           </a:p>
         </p:txBody>
       </p:sp>
@@ -4511,18 +4463,13 @@
           <a:lstStyle/>
           <a:p>
             <a:r>
-              <a:rPr lang="en-US" dirty="0" smtClean="0">
+              <a:rPr lang="en-US" dirty="0">
                 <a:solidFill>
                   <a:schemeClr val="accent1"/>
                 </a:solidFill>
               </a:rPr>
               <a:t>*</a:t>
             </a:r>
-            <a:endParaRPr lang="en-US" dirty="0">
-              <a:solidFill>
-                <a:schemeClr val="accent1"/>
-              </a:solidFill>
-            </a:endParaRPr>
           </a:p>
         </p:txBody>
       </p:sp>
@@ -4549,18 +4496,13 @@
           <a:lstStyle/>
           <a:p>
             <a:r>
-              <a:rPr lang="en-US" dirty="0" smtClean="0">
+              <a:rPr lang="en-US" dirty="0">
                 <a:solidFill>
                   <a:schemeClr val="accent1"/>
                 </a:solidFill>
               </a:rPr>
               <a:t>1</a:t>
             </a:r>
-            <a:endParaRPr lang="en-US" dirty="0">
-              <a:solidFill>
-                <a:schemeClr val="accent1"/>
-              </a:solidFill>
-            </a:endParaRPr>
           </a:p>
         </p:txBody>
       </p:sp>
@@ -4587,18 +4529,13 @@
           <a:lstStyle/>
           <a:p>
             <a:r>
-              <a:rPr lang="en-US" dirty="0" smtClean="0">
+              <a:rPr lang="en-US" dirty="0">
                 <a:solidFill>
                   <a:schemeClr val="accent1"/>
                 </a:solidFill>
               </a:rPr>
               <a:t>*</a:t>
             </a:r>
-            <a:endParaRPr lang="en-US" dirty="0">
-              <a:solidFill>
-                <a:schemeClr val="accent1"/>
-              </a:solidFill>
-            </a:endParaRPr>
           </a:p>
         </p:txBody>
       </p:sp>
@@ -4625,18 +4562,13 @@
           <a:lstStyle/>
           <a:p>
             <a:r>
-              <a:rPr lang="en-US" dirty="0" smtClean="0">
+              <a:rPr lang="en-US" dirty="0">
                 <a:solidFill>
                   <a:schemeClr val="accent1"/>
                 </a:solidFill>
               </a:rPr>
               <a:t>1</a:t>
             </a:r>
-            <a:endParaRPr lang="en-US" dirty="0">
-              <a:solidFill>
-                <a:schemeClr val="accent1"/>
-              </a:solidFill>
-            </a:endParaRPr>
           </a:p>
         </p:txBody>
       </p:sp>
@@ -4663,18 +4595,13 @@
           <a:lstStyle/>
           <a:p>
             <a:r>
-              <a:rPr lang="en-US" dirty="0" smtClean="0">
+              <a:rPr lang="en-US" dirty="0">
                 <a:solidFill>
                   <a:schemeClr val="accent1"/>
                 </a:solidFill>
               </a:rPr>
               <a:t>*</a:t>
             </a:r>
-            <a:endParaRPr lang="en-US" dirty="0">
-              <a:solidFill>
-                <a:schemeClr val="accent1"/>
-              </a:solidFill>
-            </a:endParaRPr>
           </a:p>
         </p:txBody>
       </p:sp>
@@ -4701,18 +4628,13 @@
           <a:lstStyle/>
           <a:p>
             <a:r>
-              <a:rPr lang="en-US" dirty="0" smtClean="0">
+              <a:rPr lang="en-US" dirty="0">
                 <a:solidFill>
                   <a:schemeClr val="accent1"/>
                 </a:solidFill>
               </a:rPr>
               <a:t>1</a:t>
             </a:r>
-            <a:endParaRPr lang="en-US" dirty="0">
-              <a:solidFill>
-                <a:schemeClr val="accent1"/>
-              </a:solidFill>
-            </a:endParaRPr>
           </a:p>
         </p:txBody>
       </p:sp>
@@ -4739,18 +4661,13 @@
           <a:lstStyle/>
           <a:p>
             <a:r>
-              <a:rPr lang="en-US" dirty="0" smtClean="0">
+              <a:rPr lang="en-US" dirty="0">
                 <a:solidFill>
                   <a:schemeClr val="accent1"/>
                 </a:solidFill>
               </a:rPr>
               <a:t>*</a:t>
             </a:r>
-            <a:endParaRPr lang="en-US" dirty="0">
-              <a:solidFill>
-                <a:schemeClr val="accent1"/>
-              </a:solidFill>
-            </a:endParaRPr>
           </a:p>
         </p:txBody>
       </p:sp>
@@ -4777,18 +4694,13 @@
           <a:lstStyle/>
           <a:p>
             <a:r>
-              <a:rPr lang="en-US" dirty="0" smtClean="0">
+              <a:rPr lang="en-US" dirty="0">
                 <a:solidFill>
                   <a:schemeClr val="accent1"/>
                 </a:solidFill>
               </a:rPr>
               <a:t>*</a:t>
             </a:r>
-            <a:endParaRPr lang="en-US" dirty="0">
-              <a:solidFill>
-                <a:schemeClr val="accent1"/>
-              </a:solidFill>
-            </a:endParaRPr>
           </a:p>
         </p:txBody>
       </p:sp>
@@ -4815,18 +4727,13 @@
           <a:lstStyle/>
           <a:p>
             <a:r>
-              <a:rPr lang="en-US" dirty="0" smtClean="0">
+              <a:rPr lang="en-US" dirty="0">
                 <a:solidFill>
                   <a:schemeClr val="accent1"/>
                 </a:solidFill>
               </a:rPr>
               <a:t>1</a:t>
             </a:r>
-            <a:endParaRPr lang="en-US" dirty="0">
-              <a:solidFill>
-                <a:schemeClr val="accent1"/>
-              </a:solidFill>
-            </a:endParaRPr>
           </a:p>
         </p:txBody>
       </p:sp>
@@ -4853,18 +4760,13 @@
           <a:lstStyle/>
           <a:p>
             <a:r>
-              <a:rPr lang="en-US" sz="1600" b="1" dirty="0" smtClean="0">
+              <a:rPr lang="en-US" sz="1600" b="1" dirty="0">
                 <a:solidFill>
                   <a:schemeClr val="accent2"/>
                 </a:solidFill>
               </a:rPr>
               <a:t>PK</a:t>
             </a:r>
-            <a:endParaRPr lang="en-US" sz="1600" b="1" dirty="0">
-              <a:solidFill>
-                <a:schemeClr val="accent2"/>
-              </a:solidFill>
-            </a:endParaRPr>
           </a:p>
         </p:txBody>
       </p:sp>
@@ -4891,18 +4793,13 @@
           <a:lstStyle/>
           <a:p>
             <a:r>
-              <a:rPr lang="en-US" sz="1600" b="1" dirty="0" smtClean="0">
+              <a:rPr lang="en-US" sz="1600" b="1" dirty="0">
                 <a:solidFill>
                   <a:schemeClr val="accent2"/>
                 </a:solidFill>
               </a:rPr>
               <a:t>PK</a:t>
             </a:r>
-            <a:endParaRPr lang="en-US" sz="1600" b="1" dirty="0">
-              <a:solidFill>
-                <a:schemeClr val="accent2"/>
-              </a:solidFill>
-            </a:endParaRPr>
           </a:p>
         </p:txBody>
       </p:sp>
@@ -4929,18 +4826,13 @@
           <a:lstStyle/>
           <a:p>
             <a:r>
-              <a:rPr lang="en-US" sz="1600" b="1" dirty="0" smtClean="0">
+              <a:rPr lang="en-US" sz="1600" b="1" dirty="0">
                 <a:solidFill>
                   <a:schemeClr val="accent2"/>
                 </a:solidFill>
               </a:rPr>
               <a:t>PK</a:t>
             </a:r>
-            <a:endParaRPr lang="en-US" sz="1600" b="1" dirty="0">
-              <a:solidFill>
-                <a:schemeClr val="accent2"/>
-              </a:solidFill>
-            </a:endParaRPr>
           </a:p>
         </p:txBody>
       </p:sp>
@@ -4967,18 +4859,13 @@
           <a:lstStyle/>
           <a:p>
             <a:r>
-              <a:rPr lang="en-US" sz="1600" b="1" dirty="0" smtClean="0">
+              <a:rPr lang="en-US" sz="1600" b="1" dirty="0">
                 <a:solidFill>
                   <a:schemeClr val="accent2"/>
                 </a:solidFill>
               </a:rPr>
               <a:t>PK</a:t>
             </a:r>
-            <a:endParaRPr lang="en-US" sz="1600" b="1" dirty="0">
-              <a:solidFill>
-                <a:schemeClr val="accent2"/>
-              </a:solidFill>
-            </a:endParaRPr>
           </a:p>
         </p:txBody>
       </p:sp>
@@ -5005,18 +4892,13 @@
           <a:lstStyle/>
           <a:p>
             <a:r>
-              <a:rPr lang="en-US" sz="1600" b="1" dirty="0" smtClean="0">
+              <a:rPr lang="en-US" sz="1600" b="1" dirty="0">
                 <a:solidFill>
                   <a:schemeClr val="accent2"/>
                 </a:solidFill>
               </a:rPr>
               <a:t>PK</a:t>
             </a:r>
-            <a:endParaRPr lang="en-US" sz="1600" b="1" dirty="0">
-              <a:solidFill>
-                <a:schemeClr val="accent2"/>
-              </a:solidFill>
-            </a:endParaRPr>
           </a:p>
         </p:txBody>
       </p:sp>
@@ -5043,18 +4925,13 @@
           <a:lstStyle/>
           <a:p>
             <a:r>
-              <a:rPr lang="en-US" sz="1600" b="1" dirty="0" smtClean="0">
+              <a:rPr lang="en-US" sz="1600" b="1" dirty="0">
                 <a:solidFill>
                   <a:schemeClr val="accent2"/>
                 </a:solidFill>
               </a:rPr>
               <a:t>PK</a:t>
             </a:r>
-            <a:endParaRPr lang="en-US" sz="1600" b="1" dirty="0">
-              <a:solidFill>
-                <a:schemeClr val="accent2"/>
-              </a:solidFill>
-            </a:endParaRPr>
           </a:p>
         </p:txBody>
       </p:sp>
@@ -5081,10 +4958,9 @@
           <a:lstStyle/>
           <a:p>
             <a:r>
-              <a:rPr lang="en-US" dirty="0" smtClean="0"/>
+              <a:rPr lang="en-US" dirty="0"/>
               <a:t>batch_id</a:t>
             </a:r>
-            <a:endParaRPr lang="en-US" dirty="0"/>
           </a:p>
         </p:txBody>
       </p:sp>
@@ -5111,18 +4987,13 @@
           <a:lstStyle/>
           <a:p>
             <a:r>
-              <a:rPr lang="en-US" sz="1600" b="1" dirty="0" smtClean="0">
+              <a:rPr lang="en-US" sz="1600" b="1" dirty="0">
                 <a:solidFill>
                   <a:srgbClr val="7030A0"/>
                 </a:solidFill>
               </a:rPr>
               <a:t>FK</a:t>
             </a:r>
-            <a:endParaRPr lang="en-US" sz="1600" b="1" dirty="0">
-              <a:solidFill>
-                <a:srgbClr val="7030A0"/>
-              </a:solidFill>
-            </a:endParaRPr>
           </a:p>
         </p:txBody>
       </p:sp>
@@ -5149,10 +5020,9 @@
           <a:lstStyle/>
           <a:p>
             <a:r>
-              <a:rPr lang="en-US" dirty="0" smtClean="0"/>
+              <a:rPr lang="en-US" dirty="0"/>
               <a:t>class_id</a:t>
             </a:r>
-            <a:endParaRPr lang="en-US" dirty="0"/>
           </a:p>
         </p:txBody>
       </p:sp>
@@ -5179,18 +5049,13 @@
           <a:lstStyle/>
           <a:p>
             <a:r>
-              <a:rPr lang="en-US" sz="1600" b="1" dirty="0" smtClean="0">
+              <a:rPr lang="en-US" sz="1600" b="1" dirty="0">
                 <a:solidFill>
                   <a:srgbClr val="7030A0"/>
                 </a:solidFill>
               </a:rPr>
               <a:t>FK</a:t>
             </a:r>
-            <a:endParaRPr lang="en-US" sz="1600" b="1" dirty="0">
-              <a:solidFill>
-                <a:srgbClr val="7030A0"/>
-              </a:solidFill>
-            </a:endParaRPr>
           </a:p>
         </p:txBody>
       </p:sp>
@@ -5217,7 +5082,7 @@
           <a:lstStyle/>
           <a:p>
             <a:r>
-              <a:rPr lang="en-US" dirty="0" err="1" smtClean="0"/>
+              <a:rPr lang="en-US" dirty="0" err="1"/>
               <a:t>student_id</a:t>
             </a:r>
             <a:endParaRPr lang="en-US" dirty="0"/>
@@ -5247,18 +5112,13 @@
           <a:lstStyle/>
           <a:p>
             <a:r>
-              <a:rPr lang="en-US" sz="1600" b="1" dirty="0" smtClean="0">
+              <a:rPr lang="en-US" sz="1600" b="1" dirty="0">
                 <a:solidFill>
                   <a:srgbClr val="7030A0"/>
                 </a:solidFill>
               </a:rPr>
               <a:t>FK</a:t>
             </a:r>
-            <a:endParaRPr lang="en-US" sz="1600" b="1" dirty="0">
-              <a:solidFill>
-                <a:srgbClr val="7030A0"/>
-              </a:solidFill>
-            </a:endParaRPr>
           </a:p>
         </p:txBody>
       </p:sp>
@@ -5285,7 +5145,7 @@
           <a:lstStyle/>
           <a:p>
             <a:r>
-              <a:rPr lang="en-US" dirty="0" err="1" smtClean="0"/>
+              <a:rPr lang="en-US" dirty="0" err="1"/>
               <a:t>topic_id</a:t>
             </a:r>
             <a:endParaRPr lang="en-US" dirty="0"/>
@@ -5315,18 +5175,13 @@
           <a:lstStyle/>
           <a:p>
             <a:r>
-              <a:rPr lang="en-US" sz="1600" b="1" dirty="0" smtClean="0">
+              <a:rPr lang="en-US" sz="1600" b="1" dirty="0">
                 <a:solidFill>
                   <a:srgbClr val="7030A0"/>
                 </a:solidFill>
               </a:rPr>
               <a:t>FK</a:t>
             </a:r>
-            <a:endParaRPr lang="en-US" sz="1600" b="1" dirty="0">
-              <a:solidFill>
-                <a:srgbClr val="7030A0"/>
-              </a:solidFill>
-            </a:endParaRPr>
           </a:p>
         </p:txBody>
       </p:sp>
@@ -5353,7 +5208,7 @@
           <a:lstStyle/>
           <a:p>
             <a:r>
-              <a:rPr lang="en-US" dirty="0" err="1" smtClean="0"/>
+              <a:rPr lang="en-US" dirty="0" err="1"/>
               <a:t>exam_type_id</a:t>
             </a:r>
             <a:endParaRPr lang="en-US" dirty="0"/>
@@ -5383,18 +5238,13 @@
           <a:lstStyle/>
           <a:p>
             <a:r>
-              <a:rPr lang="en-US" sz="1600" b="1" dirty="0" smtClean="0">
+              <a:rPr lang="en-US" sz="1600" b="1" dirty="0">
                 <a:solidFill>
                   <a:srgbClr val="7030A0"/>
                 </a:solidFill>
               </a:rPr>
               <a:t>FK</a:t>
             </a:r>
-            <a:endParaRPr lang="en-US" sz="1600" b="1" dirty="0">
-              <a:solidFill>
-                <a:srgbClr val="7030A0"/>
-              </a:solidFill>
-            </a:endParaRPr>
           </a:p>
         </p:txBody>
       </p:sp>
@@ -5402,6 +5252,956 @@
     <p:extLst>
       <p:ext uri="{BB962C8B-B14F-4D97-AF65-F5344CB8AC3E}">
         <p14:creationId xmlns:p14="http://schemas.microsoft.com/office/powerpoint/2010/main" val="3109588190"/>
+      </p:ext>
+    </p:extLst>
+  </p:cSld>
+  <p:clrMapOvr>
+    <a:masterClrMapping/>
+  </p:clrMapOvr>
+</p:sld>
+</file>
+
+<file path=ppt/slides/slide3.xml><?xml version="1.0" encoding="utf-8"?>
+<p:sld xmlns:a="http://schemas.openxmlformats.org/drawingml/2006/main" xmlns:r="http://schemas.openxmlformats.org/officeDocument/2006/relationships" xmlns:p="http://schemas.openxmlformats.org/presentationml/2006/main">
+  <p:cSld>
+    <p:spTree>
+      <p:nvGrpSpPr>
+        <p:cNvPr id="1" name=""/>
+        <p:cNvGrpSpPr/>
+        <p:nvPr/>
+      </p:nvGrpSpPr>
+      <p:grpSpPr>
+        <a:xfrm>
+          <a:off x="0" y="0"/>
+          <a:ext cx="0" cy="0"/>
+          <a:chOff x="0" y="0"/>
+          <a:chExt cx="0" cy="0"/>
+        </a:xfrm>
+      </p:grpSpPr>
+      <p:graphicFrame>
+        <p:nvGraphicFramePr>
+          <p:cNvPr id="4" name="Table 4">
+            <a:extLst>
+              <a:ext uri="{FF2B5EF4-FFF2-40B4-BE49-F238E27FC236}">
+                <a16:creationId xmlns:a16="http://schemas.microsoft.com/office/drawing/2014/main" id="{EACED22E-C711-4FC1-8AEF-CFDB43D680CE}"/>
+              </a:ext>
+            </a:extLst>
+          </p:cNvPr>
+          <p:cNvGraphicFramePr>
+            <a:graphicFrameLocks noGrp="1"/>
+          </p:cNvGraphicFramePr>
+          <p:nvPr>
+            <p:extLst>
+              <p:ext uri="{D42A27DB-BD31-4B8C-83A1-F6EECF244321}">
+                <p14:modId xmlns:p14="http://schemas.microsoft.com/office/powerpoint/2010/main" val="636400939"/>
+              </p:ext>
+            </p:extLst>
+          </p:nvPr>
+        </p:nvGraphicFramePr>
+        <p:xfrm>
+          <a:off x="5535554" y="5024120"/>
+          <a:ext cx="1950788" cy="1833880"/>
+        </p:xfrm>
+        <a:graphic>
+          <a:graphicData uri="http://schemas.openxmlformats.org/drawingml/2006/table">
+            <a:tbl>
+              <a:tblPr firstRow="1" bandRow="1">
+                <a:tableStyleId>{5C22544A-7EE6-4342-B048-85BDC9FD1C3A}</a:tableStyleId>
+              </a:tblPr>
+              <a:tblGrid>
+                <a:gridCol w="1950788">
+                  <a:extLst>
+                    <a:ext uri="{9D8B030D-6E8A-4147-A177-3AD203B41FA5}">
+                      <a16:colId xmlns:a16="http://schemas.microsoft.com/office/drawing/2014/main" val="3066271360"/>
+                    </a:ext>
+                  </a:extLst>
+                </a:gridCol>
+              </a:tblGrid>
+              <a:tr h="370840">
+                <a:tc>
+                  <a:txBody>
+                    <a:bodyPr/>
+                    <a:lstStyle/>
+                    <a:p>
+                      <a:pPr algn="ctr"/>
+                      <a:r>
+                        <a:rPr lang="en-US" dirty="0">
+                          <a:solidFill>
+                            <a:schemeClr val="bg1"/>
+                          </a:solidFill>
+                        </a:rPr>
+                        <a:t>USER</a:t>
+                      </a:r>
+                    </a:p>
+                  </a:txBody>
+                  <a:tcPr/>
+                </a:tc>
+                <a:extLst>
+                  <a:ext uri="{0D108BD9-81ED-4DB2-BD59-A6C34878D82A}">
+                    <a16:rowId xmlns:a16="http://schemas.microsoft.com/office/drawing/2014/main" val="1034143852"/>
+                  </a:ext>
+                </a:extLst>
+              </a:tr>
+              <a:tr h="370840">
+                <a:tc>
+                  <a:txBody>
+                    <a:bodyPr/>
+                    <a:lstStyle/>
+                    <a:p>
+                      <a:r>
+                        <a:rPr lang="en-US" dirty="0" err="1"/>
+                        <a:t>user_id</a:t>
+                      </a:r>
+                      <a:r>
+                        <a:rPr lang="en-US" dirty="0"/>
+                        <a:t>: int</a:t>
+                      </a:r>
+                    </a:p>
+                    <a:p>
+                      <a:r>
+                        <a:rPr lang="en-US" dirty="0"/>
+                        <a:t>name: int</a:t>
+                      </a:r>
+                    </a:p>
+                    <a:p>
+                      <a:r>
+                        <a:rPr lang="en-US" dirty="0"/>
+                        <a:t>email: varchar</a:t>
+                      </a:r>
+                    </a:p>
+                    <a:p>
+                      <a:r>
+                        <a:rPr lang="en-US" dirty="0"/>
+                        <a:t>password: varchar</a:t>
+                      </a:r>
+                    </a:p>
+                    <a:p>
+                      <a:r>
+                        <a:rPr lang="en-US" dirty="0"/>
+                        <a:t>profile: varchar</a:t>
+                      </a:r>
+                    </a:p>
+                  </a:txBody>
+                  <a:tcPr/>
+                </a:tc>
+                <a:extLst>
+                  <a:ext uri="{0D108BD9-81ED-4DB2-BD59-A6C34878D82A}">
+                    <a16:rowId xmlns:a16="http://schemas.microsoft.com/office/drawing/2014/main" val="1201554621"/>
+                  </a:ext>
+                </a:extLst>
+              </a:tr>
+            </a:tbl>
+          </a:graphicData>
+        </a:graphic>
+      </p:graphicFrame>
+      <p:graphicFrame>
+        <p:nvGraphicFramePr>
+          <p:cNvPr id="5" name="Table 4">
+            <a:extLst>
+              <a:ext uri="{FF2B5EF4-FFF2-40B4-BE49-F238E27FC236}">
+                <a16:creationId xmlns:a16="http://schemas.microsoft.com/office/drawing/2014/main" id="{0B14C9FA-52A7-4560-A83F-8D7385D1BF6A}"/>
+              </a:ext>
+            </a:extLst>
+          </p:cNvPr>
+          <p:cNvGraphicFramePr>
+            <a:graphicFrameLocks noGrp="1"/>
+          </p:cNvGraphicFramePr>
+          <p:nvPr>
+            <p:extLst>
+              <p:ext uri="{D42A27DB-BD31-4B8C-83A1-F6EECF244321}">
+                <p14:modId xmlns:p14="http://schemas.microsoft.com/office/powerpoint/2010/main" val="644565438"/>
+              </p:ext>
+            </p:extLst>
+          </p:nvPr>
+        </p:nvGraphicFramePr>
+        <p:xfrm>
+          <a:off x="5263376" y="214206"/>
+          <a:ext cx="2222966" cy="2656840"/>
+        </p:xfrm>
+        <a:graphic>
+          <a:graphicData uri="http://schemas.openxmlformats.org/drawingml/2006/table">
+            <a:tbl>
+              <a:tblPr firstRow="1" bandRow="1">
+                <a:tableStyleId>{5C22544A-7EE6-4342-B048-85BDC9FD1C3A}</a:tableStyleId>
+              </a:tblPr>
+              <a:tblGrid>
+                <a:gridCol w="2222966">
+                  <a:extLst>
+                    <a:ext uri="{9D8B030D-6E8A-4147-A177-3AD203B41FA5}">
+                      <a16:colId xmlns:a16="http://schemas.microsoft.com/office/drawing/2014/main" val="3066271360"/>
+                    </a:ext>
+                  </a:extLst>
+                </a:gridCol>
+              </a:tblGrid>
+              <a:tr h="370840">
+                <a:tc>
+                  <a:txBody>
+                    <a:bodyPr/>
+                    <a:lstStyle/>
+                    <a:p>
+                      <a:pPr algn="ctr"/>
+                      <a:r>
+                        <a:rPr lang="en-US" dirty="0">
+                          <a:solidFill>
+                            <a:schemeClr val="bg1"/>
+                          </a:solidFill>
+                        </a:rPr>
+                        <a:t>EVENT</a:t>
+                      </a:r>
+                    </a:p>
+                  </a:txBody>
+                  <a:tcPr/>
+                </a:tc>
+                <a:extLst>
+                  <a:ext uri="{0D108BD9-81ED-4DB2-BD59-A6C34878D82A}">
+                    <a16:rowId xmlns:a16="http://schemas.microsoft.com/office/drawing/2014/main" val="1034143852"/>
+                  </a:ext>
+                </a:extLst>
+              </a:tr>
+              <a:tr h="370840">
+                <a:tc>
+                  <a:txBody>
+                    <a:bodyPr/>
+                    <a:lstStyle/>
+                    <a:p>
+                      <a:r>
+                        <a:rPr lang="en-US" dirty="0" err="1"/>
+                        <a:t>event_id</a:t>
+                      </a:r>
+                      <a:r>
+                        <a:rPr lang="en-US" dirty="0"/>
+                        <a:t>: int</a:t>
+                      </a:r>
+                    </a:p>
+                    <a:p>
+                      <a:r>
+                        <a:rPr lang="en-US" dirty="0"/>
+                        <a:t>title: varchar</a:t>
+                      </a:r>
+                    </a:p>
+                    <a:p>
+                      <a:r>
+                        <a:rPr lang="en-US" dirty="0"/>
+                        <a:t>start-date: date</a:t>
+                      </a:r>
+                    </a:p>
+                    <a:p>
+                      <a:r>
+                        <a:rPr lang="en-US" dirty="0"/>
+                        <a:t>end-date: date</a:t>
+                      </a:r>
+                    </a:p>
+                    <a:p>
+                      <a:r>
+                        <a:rPr lang="en-US" dirty="0"/>
+                        <a:t>description: varchar</a:t>
+                      </a:r>
+                    </a:p>
+                    <a:p>
+                      <a:r>
+                        <a:rPr lang="en-US" dirty="0"/>
+                        <a:t>profile: varchar</a:t>
+                      </a:r>
+                    </a:p>
+                    <a:p>
+                      <a:r>
+                        <a:rPr lang="en-US" dirty="0" err="1"/>
+                        <a:t>user_id</a:t>
+                      </a:r>
+                      <a:r>
+                        <a:rPr lang="en-US" dirty="0"/>
+                        <a:t>: int</a:t>
+                      </a:r>
+                    </a:p>
+                    <a:p>
+                      <a:r>
+                        <a:rPr lang="en-US" dirty="0" err="1"/>
+                        <a:t>category_id</a:t>
+                      </a:r>
+                      <a:r>
+                        <a:rPr lang="en-US" dirty="0"/>
+                        <a:t>: int</a:t>
+                      </a:r>
+                    </a:p>
+                  </a:txBody>
+                  <a:tcPr/>
+                </a:tc>
+                <a:extLst>
+                  <a:ext uri="{0D108BD9-81ED-4DB2-BD59-A6C34878D82A}">
+                    <a16:rowId xmlns:a16="http://schemas.microsoft.com/office/drawing/2014/main" val="1201554621"/>
+                  </a:ext>
+                </a:extLst>
+              </a:tr>
+            </a:tbl>
+          </a:graphicData>
+        </a:graphic>
+      </p:graphicFrame>
+      <p:graphicFrame>
+        <p:nvGraphicFramePr>
+          <p:cNvPr id="6" name="Table 5">
+            <a:extLst>
+              <a:ext uri="{FF2B5EF4-FFF2-40B4-BE49-F238E27FC236}">
+                <a16:creationId xmlns:a16="http://schemas.microsoft.com/office/drawing/2014/main" id="{93D6770F-1EA3-44C5-8326-ACD9B25F715B}"/>
+              </a:ext>
+            </a:extLst>
+          </p:cNvPr>
+          <p:cNvGraphicFramePr>
+            <a:graphicFrameLocks noGrp="1"/>
+          </p:cNvGraphicFramePr>
+          <p:nvPr>
+            <p:extLst>
+              <p:ext uri="{D42A27DB-BD31-4B8C-83A1-F6EECF244321}">
+                <p14:modId xmlns:p14="http://schemas.microsoft.com/office/powerpoint/2010/main" val="2232492840"/>
+              </p:ext>
+            </p:extLst>
+          </p:nvPr>
+        </p:nvGraphicFramePr>
+        <p:xfrm>
+          <a:off x="9369287" y="3746242"/>
+          <a:ext cx="1678609" cy="1010920"/>
+        </p:xfrm>
+        <a:graphic>
+          <a:graphicData uri="http://schemas.openxmlformats.org/drawingml/2006/table">
+            <a:tbl>
+              <a:tblPr firstRow="1" bandRow="1">
+                <a:tableStyleId>{5C22544A-7EE6-4342-B048-85BDC9FD1C3A}</a:tableStyleId>
+              </a:tblPr>
+              <a:tblGrid>
+                <a:gridCol w="1678609">
+                  <a:extLst>
+                    <a:ext uri="{9D8B030D-6E8A-4147-A177-3AD203B41FA5}">
+                      <a16:colId xmlns:a16="http://schemas.microsoft.com/office/drawing/2014/main" val="3066271360"/>
+                    </a:ext>
+                  </a:extLst>
+                </a:gridCol>
+              </a:tblGrid>
+              <a:tr h="370840">
+                <a:tc>
+                  <a:txBody>
+                    <a:bodyPr/>
+                    <a:lstStyle/>
+                    <a:p>
+                      <a:pPr algn="ctr"/>
+                      <a:r>
+                        <a:rPr lang="en-US" dirty="0">
+                          <a:solidFill>
+                            <a:schemeClr val="bg1"/>
+                          </a:solidFill>
+                        </a:rPr>
+                        <a:t>CATEGORY</a:t>
+                      </a:r>
+                    </a:p>
+                  </a:txBody>
+                  <a:tcPr/>
+                </a:tc>
+                <a:extLst>
+                  <a:ext uri="{0D108BD9-81ED-4DB2-BD59-A6C34878D82A}">
+                    <a16:rowId xmlns:a16="http://schemas.microsoft.com/office/drawing/2014/main" val="1034143852"/>
+                  </a:ext>
+                </a:extLst>
+              </a:tr>
+              <a:tr h="370840">
+                <a:tc>
+                  <a:txBody>
+                    <a:bodyPr/>
+                    <a:lstStyle/>
+                    <a:p>
+                      <a:r>
+                        <a:rPr lang="en-US" dirty="0"/>
+                        <a:t>category_id: int</a:t>
+                      </a:r>
+                    </a:p>
+                    <a:p>
+                      <a:r>
+                        <a:rPr lang="en-US" dirty="0"/>
+                        <a:t>Name: varchar</a:t>
+                      </a:r>
+                    </a:p>
+                  </a:txBody>
+                  <a:tcPr/>
+                </a:tc>
+                <a:extLst>
+                  <a:ext uri="{0D108BD9-81ED-4DB2-BD59-A6C34878D82A}">
+                    <a16:rowId xmlns:a16="http://schemas.microsoft.com/office/drawing/2014/main" val="1201554621"/>
+                  </a:ext>
+                </a:extLst>
+              </a:tr>
+            </a:tbl>
+          </a:graphicData>
+        </a:graphic>
+      </p:graphicFrame>
+      <p:graphicFrame>
+        <p:nvGraphicFramePr>
+          <p:cNvPr id="7" name="Table 6">
+            <a:extLst>
+              <a:ext uri="{FF2B5EF4-FFF2-40B4-BE49-F238E27FC236}">
+                <a16:creationId xmlns:a16="http://schemas.microsoft.com/office/drawing/2014/main" id="{43A65BAA-1A71-4856-A3F1-593194519E9C}"/>
+              </a:ext>
+            </a:extLst>
+          </p:cNvPr>
+          <p:cNvGraphicFramePr>
+            <a:graphicFrameLocks noGrp="1"/>
+          </p:cNvGraphicFramePr>
+          <p:nvPr>
+            <p:extLst>
+              <p:ext uri="{D42A27DB-BD31-4B8C-83A1-F6EECF244321}">
+                <p14:modId xmlns:p14="http://schemas.microsoft.com/office/powerpoint/2010/main" val="1446244947"/>
+              </p:ext>
+            </p:extLst>
+          </p:nvPr>
+        </p:nvGraphicFramePr>
+        <p:xfrm>
+          <a:off x="1144104" y="2966462"/>
+          <a:ext cx="1678609" cy="1285240"/>
+        </p:xfrm>
+        <a:graphic>
+          <a:graphicData uri="http://schemas.openxmlformats.org/drawingml/2006/table">
+            <a:tbl>
+              <a:tblPr firstRow="1" bandRow="1">
+                <a:tableStyleId>{5C22544A-7EE6-4342-B048-85BDC9FD1C3A}</a:tableStyleId>
+              </a:tblPr>
+              <a:tblGrid>
+                <a:gridCol w="1678609">
+                  <a:extLst>
+                    <a:ext uri="{9D8B030D-6E8A-4147-A177-3AD203B41FA5}">
+                      <a16:colId xmlns:a16="http://schemas.microsoft.com/office/drawing/2014/main" val="3066271360"/>
+                    </a:ext>
+                  </a:extLst>
+                </a:gridCol>
+              </a:tblGrid>
+              <a:tr h="370840">
+                <a:tc>
+                  <a:txBody>
+                    <a:bodyPr/>
+                    <a:lstStyle/>
+                    <a:p>
+                      <a:pPr algn="ctr"/>
+                      <a:r>
+                        <a:rPr lang="en-US" dirty="0">
+                          <a:solidFill>
+                            <a:schemeClr val="bg1"/>
+                          </a:solidFill>
+                        </a:rPr>
+                        <a:t>JOIN</a:t>
+                      </a:r>
+                    </a:p>
+                  </a:txBody>
+                  <a:tcPr/>
+                </a:tc>
+                <a:extLst>
+                  <a:ext uri="{0D108BD9-81ED-4DB2-BD59-A6C34878D82A}">
+                    <a16:rowId xmlns:a16="http://schemas.microsoft.com/office/drawing/2014/main" val="1034143852"/>
+                  </a:ext>
+                </a:extLst>
+              </a:tr>
+              <a:tr h="370840">
+                <a:tc>
+                  <a:txBody>
+                    <a:bodyPr/>
+                    <a:lstStyle/>
+                    <a:p>
+                      <a:r>
+                        <a:rPr lang="en-US" dirty="0"/>
+                        <a:t>Id: int</a:t>
+                      </a:r>
+                    </a:p>
+                    <a:p>
+                      <a:r>
+                        <a:rPr lang="en-US" dirty="0" err="1"/>
+                        <a:t>user_id</a:t>
+                      </a:r>
+                      <a:r>
+                        <a:rPr lang="en-US" dirty="0"/>
+                        <a:t>: int</a:t>
+                      </a:r>
+                    </a:p>
+                    <a:p>
+                      <a:r>
+                        <a:rPr lang="en-US" dirty="0" err="1"/>
+                        <a:t>event_id</a:t>
+                      </a:r>
+                      <a:r>
+                        <a:rPr lang="en-US" dirty="0"/>
+                        <a:t>: int</a:t>
+                      </a:r>
+                    </a:p>
+                  </a:txBody>
+                  <a:tcPr/>
+                </a:tc>
+                <a:extLst>
+                  <a:ext uri="{0D108BD9-81ED-4DB2-BD59-A6C34878D82A}">
+                    <a16:rowId xmlns:a16="http://schemas.microsoft.com/office/drawing/2014/main" val="1201554621"/>
+                  </a:ext>
+                </a:extLst>
+              </a:tr>
+            </a:tbl>
+          </a:graphicData>
+        </a:graphic>
+      </p:graphicFrame>
+      <p:cxnSp>
+        <p:nvCxnSpPr>
+          <p:cNvPr id="9" name="Straight Connector 8">
+            <a:extLst>
+              <a:ext uri="{FF2B5EF4-FFF2-40B4-BE49-F238E27FC236}">
+                <a16:creationId xmlns:a16="http://schemas.microsoft.com/office/drawing/2014/main" id="{A460CA1C-01CE-4420-9581-677F74BBA9B8}"/>
+              </a:ext>
+            </a:extLst>
+          </p:cNvPr>
+          <p:cNvCxnSpPr>
+            <a:cxnSpLocks/>
+            <a:stCxn id="7" idx="0"/>
+            <a:endCxn id="5" idx="1"/>
+          </p:cNvCxnSpPr>
+          <p:nvPr/>
+        </p:nvCxnSpPr>
+        <p:spPr>
+          <a:xfrm flipV="1">
+            <a:off x="1983408" y="1542626"/>
+            <a:ext cx="3279968" cy="1423836"/>
+          </a:xfrm>
+          <a:prstGeom prst="line">
+            <a:avLst/>
+          </a:prstGeom>
+        </p:spPr>
+        <p:style>
+          <a:lnRef idx="1">
+            <a:schemeClr val="accent1"/>
+          </a:lnRef>
+          <a:fillRef idx="0">
+            <a:schemeClr val="accent1"/>
+          </a:fillRef>
+          <a:effectRef idx="0">
+            <a:schemeClr val="accent1"/>
+          </a:effectRef>
+          <a:fontRef idx="minor">
+            <a:schemeClr val="tx1"/>
+          </a:fontRef>
+        </p:style>
+      </p:cxnSp>
+      <p:cxnSp>
+        <p:nvCxnSpPr>
+          <p:cNvPr id="12" name="Straight Connector 11">
+            <a:extLst>
+              <a:ext uri="{FF2B5EF4-FFF2-40B4-BE49-F238E27FC236}">
+                <a16:creationId xmlns:a16="http://schemas.microsoft.com/office/drawing/2014/main" id="{17E7C783-F5B5-4941-8EDF-0E11DCF67B7F}"/>
+              </a:ext>
+            </a:extLst>
+          </p:cNvPr>
+          <p:cNvCxnSpPr>
+            <a:cxnSpLocks/>
+            <a:stCxn id="7" idx="2"/>
+            <a:endCxn id="4" idx="1"/>
+          </p:cNvCxnSpPr>
+          <p:nvPr/>
+        </p:nvCxnSpPr>
+        <p:spPr>
+          <a:xfrm>
+            <a:off x="1983408" y="4251702"/>
+            <a:ext cx="3552146" cy="1689358"/>
+          </a:xfrm>
+          <a:prstGeom prst="line">
+            <a:avLst/>
+          </a:prstGeom>
+        </p:spPr>
+        <p:style>
+          <a:lnRef idx="1">
+            <a:schemeClr val="accent1"/>
+          </a:lnRef>
+          <a:fillRef idx="0">
+            <a:schemeClr val="accent1"/>
+          </a:fillRef>
+          <a:effectRef idx="0">
+            <a:schemeClr val="accent1"/>
+          </a:effectRef>
+          <a:fontRef idx="minor">
+            <a:schemeClr val="tx1"/>
+          </a:fontRef>
+        </p:style>
+      </p:cxnSp>
+      <p:cxnSp>
+        <p:nvCxnSpPr>
+          <p:cNvPr id="15" name="Straight Connector 14">
+            <a:extLst>
+              <a:ext uri="{FF2B5EF4-FFF2-40B4-BE49-F238E27FC236}">
+                <a16:creationId xmlns:a16="http://schemas.microsoft.com/office/drawing/2014/main" id="{1F2E8750-EC07-4A60-A0EF-116B7EE71135}"/>
+              </a:ext>
+            </a:extLst>
+          </p:cNvPr>
+          <p:cNvCxnSpPr>
+            <a:endCxn id="6" idx="0"/>
+          </p:cNvCxnSpPr>
+          <p:nvPr/>
+        </p:nvCxnSpPr>
+        <p:spPr>
+          <a:xfrm>
+            <a:off x="7486342" y="1542626"/>
+            <a:ext cx="2722249" cy="2203616"/>
+          </a:xfrm>
+          <a:prstGeom prst="line">
+            <a:avLst/>
+          </a:prstGeom>
+        </p:spPr>
+        <p:style>
+          <a:lnRef idx="1">
+            <a:schemeClr val="accent1"/>
+          </a:lnRef>
+          <a:fillRef idx="0">
+            <a:schemeClr val="accent1"/>
+          </a:fillRef>
+          <a:effectRef idx="0">
+            <a:schemeClr val="accent1"/>
+          </a:effectRef>
+          <a:fontRef idx="minor">
+            <a:schemeClr val="tx1"/>
+          </a:fontRef>
+        </p:style>
+      </p:cxnSp>
+      <p:sp>
+        <p:nvSpPr>
+          <p:cNvPr id="16" name="Rectangle 15">
+            <a:extLst>
+              <a:ext uri="{FF2B5EF4-FFF2-40B4-BE49-F238E27FC236}">
+                <a16:creationId xmlns:a16="http://schemas.microsoft.com/office/drawing/2014/main" id="{9E2E3187-A913-4775-A80B-AE4BC10E4858}"/>
+              </a:ext>
+            </a:extLst>
+          </p:cNvPr>
+          <p:cNvSpPr/>
+          <p:nvPr/>
+        </p:nvSpPr>
+        <p:spPr>
+          <a:xfrm>
+            <a:off x="4940517" y="1157616"/>
+            <a:ext cx="428022" cy="385010"/>
+          </a:xfrm>
+          <a:prstGeom prst="rect">
+            <a:avLst/>
+          </a:prstGeom>
+          <a:noFill/>
+          <a:ln>
+            <a:noFill/>
+          </a:ln>
+        </p:spPr>
+        <p:style>
+          <a:lnRef idx="2">
+            <a:schemeClr val="accent1">
+              <a:shade val="50000"/>
+            </a:schemeClr>
+          </a:lnRef>
+          <a:fillRef idx="1">
+            <a:schemeClr val="accent1"/>
+          </a:fillRef>
+          <a:effectRef idx="0">
+            <a:schemeClr val="accent1"/>
+          </a:effectRef>
+          <a:fontRef idx="minor">
+            <a:schemeClr val="lt1"/>
+          </a:fontRef>
+        </p:style>
+        <p:txBody>
+          <a:bodyPr rtlCol="0" anchor="ctr"/>
+          <a:lstStyle/>
+          <a:p>
+            <a:pPr algn="ctr"/>
+            <a:r>
+              <a:rPr lang="en-US" dirty="0">
+                <a:solidFill>
+                  <a:srgbClr val="FF0000"/>
+                </a:solidFill>
+              </a:rPr>
+              <a:t>1</a:t>
+            </a:r>
+          </a:p>
+        </p:txBody>
+      </p:sp>
+      <p:sp>
+        <p:nvSpPr>
+          <p:cNvPr id="17" name="Rectangle 16">
+            <a:extLst>
+              <a:ext uri="{FF2B5EF4-FFF2-40B4-BE49-F238E27FC236}">
+                <a16:creationId xmlns:a16="http://schemas.microsoft.com/office/drawing/2014/main" id="{81BD8F03-CC56-4648-89EA-594C6AA03384}"/>
+              </a:ext>
+            </a:extLst>
+          </p:cNvPr>
+          <p:cNvSpPr/>
+          <p:nvPr/>
+        </p:nvSpPr>
+        <p:spPr>
+          <a:xfrm>
+            <a:off x="5172136" y="5507879"/>
+            <a:ext cx="428022" cy="385010"/>
+          </a:xfrm>
+          <a:prstGeom prst="rect">
+            <a:avLst/>
+          </a:prstGeom>
+          <a:noFill/>
+          <a:ln>
+            <a:noFill/>
+          </a:ln>
+        </p:spPr>
+        <p:style>
+          <a:lnRef idx="2">
+            <a:schemeClr val="accent1">
+              <a:shade val="50000"/>
+            </a:schemeClr>
+          </a:lnRef>
+          <a:fillRef idx="1">
+            <a:schemeClr val="accent1"/>
+          </a:fillRef>
+          <a:effectRef idx="0">
+            <a:schemeClr val="accent1"/>
+          </a:effectRef>
+          <a:fontRef idx="minor">
+            <a:schemeClr val="lt1"/>
+          </a:fontRef>
+        </p:style>
+        <p:txBody>
+          <a:bodyPr rtlCol="0" anchor="ctr"/>
+          <a:lstStyle/>
+          <a:p>
+            <a:pPr algn="ctr"/>
+            <a:r>
+              <a:rPr lang="en-US" dirty="0">
+                <a:solidFill>
+                  <a:srgbClr val="FF0000"/>
+                </a:solidFill>
+              </a:rPr>
+              <a:t>1</a:t>
+            </a:r>
+          </a:p>
+        </p:txBody>
+      </p:sp>
+      <p:sp>
+        <p:nvSpPr>
+          <p:cNvPr id="18" name="Rectangle 17">
+            <a:extLst>
+              <a:ext uri="{FF2B5EF4-FFF2-40B4-BE49-F238E27FC236}">
+                <a16:creationId xmlns:a16="http://schemas.microsoft.com/office/drawing/2014/main" id="{79BC3016-3C2E-4BE2-A7F8-35D4760DB0E3}"/>
+              </a:ext>
+            </a:extLst>
+          </p:cNvPr>
+          <p:cNvSpPr/>
+          <p:nvPr/>
+        </p:nvSpPr>
+        <p:spPr>
+          <a:xfrm>
+            <a:off x="1664234" y="2678541"/>
+            <a:ext cx="428022" cy="385010"/>
+          </a:xfrm>
+          <a:prstGeom prst="rect">
+            <a:avLst/>
+          </a:prstGeom>
+          <a:noFill/>
+          <a:ln>
+            <a:noFill/>
+          </a:ln>
+        </p:spPr>
+        <p:style>
+          <a:lnRef idx="2">
+            <a:schemeClr val="accent1">
+              <a:shade val="50000"/>
+            </a:schemeClr>
+          </a:lnRef>
+          <a:fillRef idx="1">
+            <a:schemeClr val="accent1"/>
+          </a:fillRef>
+          <a:effectRef idx="0">
+            <a:schemeClr val="accent1"/>
+          </a:effectRef>
+          <a:fontRef idx="minor">
+            <a:schemeClr val="lt1"/>
+          </a:fontRef>
+        </p:style>
+        <p:txBody>
+          <a:bodyPr rtlCol="0" anchor="ctr"/>
+          <a:lstStyle/>
+          <a:p>
+            <a:pPr algn="ctr"/>
+            <a:r>
+              <a:rPr lang="en-US" dirty="0">
+                <a:solidFill>
+                  <a:srgbClr val="FF0000"/>
+                </a:solidFill>
+              </a:rPr>
+              <a:t>*</a:t>
+            </a:r>
+          </a:p>
+        </p:txBody>
+      </p:sp>
+      <p:sp>
+        <p:nvSpPr>
+          <p:cNvPr id="19" name="Rectangle 18">
+            <a:extLst>
+              <a:ext uri="{FF2B5EF4-FFF2-40B4-BE49-F238E27FC236}">
+                <a16:creationId xmlns:a16="http://schemas.microsoft.com/office/drawing/2014/main" id="{8503C9DB-EE6A-4C2D-B6C4-0E2E5DD88FD5}"/>
+              </a:ext>
+            </a:extLst>
+          </p:cNvPr>
+          <p:cNvSpPr/>
+          <p:nvPr/>
+        </p:nvSpPr>
+        <p:spPr>
+          <a:xfrm>
+            <a:off x="1704793" y="4251702"/>
+            <a:ext cx="428022" cy="385010"/>
+          </a:xfrm>
+          <a:prstGeom prst="rect">
+            <a:avLst/>
+          </a:prstGeom>
+          <a:noFill/>
+          <a:ln>
+            <a:noFill/>
+          </a:ln>
+        </p:spPr>
+        <p:style>
+          <a:lnRef idx="2">
+            <a:schemeClr val="accent1">
+              <a:shade val="50000"/>
+            </a:schemeClr>
+          </a:lnRef>
+          <a:fillRef idx="1">
+            <a:schemeClr val="accent1"/>
+          </a:fillRef>
+          <a:effectRef idx="0">
+            <a:schemeClr val="accent1"/>
+          </a:effectRef>
+          <a:fontRef idx="minor">
+            <a:schemeClr val="lt1"/>
+          </a:fontRef>
+        </p:style>
+        <p:txBody>
+          <a:bodyPr rtlCol="0" anchor="ctr"/>
+          <a:lstStyle/>
+          <a:p>
+            <a:pPr algn="ctr"/>
+            <a:r>
+              <a:rPr lang="en-US" dirty="0">
+                <a:solidFill>
+                  <a:srgbClr val="FF0000"/>
+                </a:solidFill>
+              </a:rPr>
+              <a:t>*</a:t>
+            </a:r>
+          </a:p>
+        </p:txBody>
+      </p:sp>
+      <p:sp>
+        <p:nvSpPr>
+          <p:cNvPr id="20" name="Rectangle 19">
+            <a:extLst>
+              <a:ext uri="{FF2B5EF4-FFF2-40B4-BE49-F238E27FC236}">
+                <a16:creationId xmlns:a16="http://schemas.microsoft.com/office/drawing/2014/main" id="{76FC2E60-C99B-4301-B362-1C9408E473DE}"/>
+              </a:ext>
+            </a:extLst>
+          </p:cNvPr>
+          <p:cNvSpPr/>
+          <p:nvPr/>
+        </p:nvSpPr>
+        <p:spPr>
+          <a:xfrm>
+            <a:off x="7377494" y="1350121"/>
+            <a:ext cx="428022" cy="385010"/>
+          </a:xfrm>
+          <a:prstGeom prst="rect">
+            <a:avLst/>
+          </a:prstGeom>
+          <a:noFill/>
+          <a:ln>
+            <a:noFill/>
+          </a:ln>
+        </p:spPr>
+        <p:style>
+          <a:lnRef idx="2">
+            <a:schemeClr val="accent1">
+              <a:shade val="50000"/>
+            </a:schemeClr>
+          </a:lnRef>
+          <a:fillRef idx="1">
+            <a:schemeClr val="accent1"/>
+          </a:fillRef>
+          <a:effectRef idx="0">
+            <a:schemeClr val="accent1"/>
+          </a:effectRef>
+          <a:fontRef idx="minor">
+            <a:schemeClr val="lt1"/>
+          </a:fontRef>
+        </p:style>
+        <p:txBody>
+          <a:bodyPr rtlCol="0" anchor="ctr"/>
+          <a:lstStyle/>
+          <a:p>
+            <a:pPr algn="ctr"/>
+            <a:r>
+              <a:rPr lang="en-US" dirty="0">
+                <a:solidFill>
+                  <a:srgbClr val="FF0000"/>
+                </a:solidFill>
+              </a:rPr>
+              <a:t>*</a:t>
+            </a:r>
+          </a:p>
+        </p:txBody>
+      </p:sp>
+      <p:sp>
+        <p:nvSpPr>
+          <p:cNvPr id="21" name="Rectangle 20">
+            <a:extLst>
+              <a:ext uri="{FF2B5EF4-FFF2-40B4-BE49-F238E27FC236}">
+                <a16:creationId xmlns:a16="http://schemas.microsoft.com/office/drawing/2014/main" id="{BAA134F4-5DC1-4DBD-A1C5-F97F29E9C369}"/>
+              </a:ext>
+            </a:extLst>
+          </p:cNvPr>
+          <p:cNvSpPr/>
+          <p:nvPr/>
+        </p:nvSpPr>
+        <p:spPr>
+          <a:xfrm>
+            <a:off x="10103428" y="3429000"/>
+            <a:ext cx="428022" cy="385010"/>
+          </a:xfrm>
+          <a:prstGeom prst="rect">
+            <a:avLst/>
+          </a:prstGeom>
+          <a:noFill/>
+          <a:ln>
+            <a:noFill/>
+          </a:ln>
+        </p:spPr>
+        <p:style>
+          <a:lnRef idx="2">
+            <a:schemeClr val="accent1">
+              <a:shade val="50000"/>
+            </a:schemeClr>
+          </a:lnRef>
+          <a:fillRef idx="1">
+            <a:schemeClr val="accent1"/>
+          </a:fillRef>
+          <a:effectRef idx="0">
+            <a:schemeClr val="accent1"/>
+          </a:effectRef>
+          <a:fontRef idx="minor">
+            <a:schemeClr val="lt1"/>
+          </a:fontRef>
+        </p:style>
+        <p:txBody>
+          <a:bodyPr rtlCol="0" anchor="ctr"/>
+          <a:lstStyle/>
+          <a:p>
+            <a:pPr algn="ctr"/>
+            <a:r>
+              <a:rPr lang="en-US" dirty="0">
+                <a:solidFill>
+                  <a:srgbClr val="FF0000"/>
+                </a:solidFill>
+              </a:rPr>
+              <a:t>1</a:t>
+            </a:r>
+          </a:p>
+        </p:txBody>
+      </p:sp>
+    </p:spTree>
+    <p:extLst>
+      <p:ext uri="{BB962C8B-B14F-4D97-AF65-F5344CB8AC3E}">
+        <p14:creationId xmlns:p14="http://schemas.microsoft.com/office/powerpoint/2010/main" val="1499624894"/>
       </p:ext>
     </p:extLst>
   </p:cSld>
